--- a/Portfolio-slides/Regression.pptx
+++ b/Portfolio-slides/Regression.pptx
@@ -6,6 +6,20 @@
   </p:sldMasterIdLst>
   <p:sldIdLst>
     <p:sldId id="256" r:id="rId2"/>
+    <p:sldId id="257" r:id="rId3"/>
+    <p:sldId id="258" r:id="rId4"/>
+    <p:sldId id="263" r:id="rId5"/>
+    <p:sldId id="265" r:id="rId6"/>
+    <p:sldId id="259" r:id="rId7"/>
+    <p:sldId id="267" r:id="rId8"/>
+    <p:sldId id="266" r:id="rId9"/>
+    <p:sldId id="260" r:id="rId10"/>
+    <p:sldId id="269" r:id="rId11"/>
+    <p:sldId id="268" r:id="rId12"/>
+    <p:sldId id="261" r:id="rId13"/>
+    <p:sldId id="270" r:id="rId14"/>
+    <p:sldId id="262" r:id="rId15"/>
+    <p:sldId id="271" r:id="rId16"/>
   </p:sldIdLst>
   <p:sldSz cx="12192000" cy="6858000"/>
   <p:notesSz cx="6858000" cy="9144000"/>
@@ -104,6 +118,11 @@
       </a:defRPr>
     </a:lvl9pPr>
   </p:defaultTextStyle>
+  <p:extLst>
+    <p:ext uri="{EFAFB233-063F-42B5-8137-9DF3F51BA10A}">
+      <p15:sldGuideLst xmlns:p15="http://schemas.microsoft.com/office/powerpoint/2012/main"/>
+    </p:ext>
+  </p:extLst>
 </p:presentation>
 </file>
 
@@ -254,7 +273,7 @@
           <a:p>
             <a:fld id="{9A88CE82-044A-45D0-86C2-EF548AB8E9DC}" type="datetimeFigureOut">
               <a:rPr lang="da-DK" smtClean="0"/>
-              <a:t>18-12-2024</a:t>
+              <a:t>19-12-2024</a:t>
             </a:fld>
             <a:endParaRPr lang="da-DK"/>
           </a:p>
@@ -452,7 +471,7 @@
           <a:p>
             <a:fld id="{9A88CE82-044A-45D0-86C2-EF548AB8E9DC}" type="datetimeFigureOut">
               <a:rPr lang="da-DK" smtClean="0"/>
-              <a:t>18-12-2024</a:t>
+              <a:t>19-12-2024</a:t>
             </a:fld>
             <a:endParaRPr lang="da-DK"/>
           </a:p>
@@ -660,7 +679,7 @@
           <a:p>
             <a:fld id="{9A88CE82-044A-45D0-86C2-EF548AB8E9DC}" type="datetimeFigureOut">
               <a:rPr lang="da-DK" smtClean="0"/>
-              <a:t>18-12-2024</a:t>
+              <a:t>19-12-2024</a:t>
             </a:fld>
             <a:endParaRPr lang="da-DK"/>
           </a:p>
@@ -858,7 +877,7 @@
           <a:p>
             <a:fld id="{9A88CE82-044A-45D0-86C2-EF548AB8E9DC}" type="datetimeFigureOut">
               <a:rPr lang="da-DK" smtClean="0"/>
-              <a:t>18-12-2024</a:t>
+              <a:t>19-12-2024</a:t>
             </a:fld>
             <a:endParaRPr lang="da-DK"/>
           </a:p>
@@ -1133,7 +1152,7 @@
           <a:p>
             <a:fld id="{9A88CE82-044A-45D0-86C2-EF548AB8E9DC}" type="datetimeFigureOut">
               <a:rPr lang="da-DK" smtClean="0"/>
-              <a:t>18-12-2024</a:t>
+              <a:t>19-12-2024</a:t>
             </a:fld>
             <a:endParaRPr lang="da-DK"/>
           </a:p>
@@ -1398,7 +1417,7 @@
           <a:p>
             <a:fld id="{9A88CE82-044A-45D0-86C2-EF548AB8E9DC}" type="datetimeFigureOut">
               <a:rPr lang="da-DK" smtClean="0"/>
-              <a:t>18-12-2024</a:t>
+              <a:t>19-12-2024</a:t>
             </a:fld>
             <a:endParaRPr lang="da-DK"/>
           </a:p>
@@ -1810,7 +1829,7 @@
           <a:p>
             <a:fld id="{9A88CE82-044A-45D0-86C2-EF548AB8E9DC}" type="datetimeFigureOut">
               <a:rPr lang="da-DK" smtClean="0"/>
-              <a:t>18-12-2024</a:t>
+              <a:t>19-12-2024</a:t>
             </a:fld>
             <a:endParaRPr lang="da-DK"/>
           </a:p>
@@ -1951,7 +1970,7 @@
           <a:p>
             <a:fld id="{9A88CE82-044A-45D0-86C2-EF548AB8E9DC}" type="datetimeFigureOut">
               <a:rPr lang="da-DK" smtClean="0"/>
-              <a:t>18-12-2024</a:t>
+              <a:t>19-12-2024</a:t>
             </a:fld>
             <a:endParaRPr lang="da-DK"/>
           </a:p>
@@ -2064,7 +2083,7 @@
           <a:p>
             <a:fld id="{9A88CE82-044A-45D0-86C2-EF548AB8E9DC}" type="datetimeFigureOut">
               <a:rPr lang="da-DK" smtClean="0"/>
-              <a:t>18-12-2024</a:t>
+              <a:t>19-12-2024</a:t>
             </a:fld>
             <a:endParaRPr lang="da-DK"/>
           </a:p>
@@ -2375,7 +2394,7 @@
           <a:p>
             <a:fld id="{9A88CE82-044A-45D0-86C2-EF548AB8E9DC}" type="datetimeFigureOut">
               <a:rPr lang="da-DK" smtClean="0"/>
-              <a:t>18-12-2024</a:t>
+              <a:t>19-12-2024</a:t>
             </a:fld>
             <a:endParaRPr lang="da-DK"/>
           </a:p>
@@ -2663,7 +2682,7 @@
           <a:p>
             <a:fld id="{9A88CE82-044A-45D0-86C2-EF548AB8E9DC}" type="datetimeFigureOut">
               <a:rPr lang="da-DK" smtClean="0"/>
-              <a:t>18-12-2024</a:t>
+              <a:t>19-12-2024</a:t>
             </a:fld>
             <a:endParaRPr lang="da-DK"/>
           </a:p>
@@ -2904,7 +2923,7 @@
           <a:p>
             <a:fld id="{9A88CE82-044A-45D0-86C2-EF548AB8E9DC}" type="datetimeFigureOut">
               <a:rPr lang="da-DK" smtClean="0"/>
-              <a:t>18-12-2024</a:t>
+              <a:t>19-12-2024</a:t>
             </a:fld>
             <a:endParaRPr lang="da-DK"/>
           </a:p>
@@ -3337,44 +3356,3263 @@
             <p:ph type="ctrTitle"/>
           </p:nvPr>
         </p:nvSpPr>
+        <p:spPr>
+          <a:xfrm>
+            <a:off x="1524000" y="0"/>
+            <a:ext cx="9144000" cy="938779"/>
+          </a:xfrm>
+        </p:spPr>
+        <p:txBody>
+          <a:bodyPr/>
+          <a:lstStyle/>
+          <a:p>
+            <a:r>
+              <a:rPr lang="da-DK" dirty="0">
+                <a:latin typeface="Times New Roman" panose="02020603050405020304" pitchFamily="18" charset="0"/>
+                <a:cs typeface="Times New Roman" panose="02020603050405020304" pitchFamily="18" charset="0"/>
+              </a:rPr>
+              <a:t>Regression</a:t>
+            </a:r>
+          </a:p>
+        </p:txBody>
+      </p:sp>
+      <p:sp>
+        <p:nvSpPr>
+          <p:cNvPr id="3" name="Undertitel 2">
+            <a:extLst>
+              <a:ext uri="{FF2B5EF4-FFF2-40B4-BE49-F238E27FC236}">
+                <a16:creationId xmlns:a16="http://schemas.microsoft.com/office/drawing/2014/main" id="{2387824E-49DA-3A4D-7C3E-C8D9BAA3B9A8}"/>
+              </a:ext>
+            </a:extLst>
+          </p:cNvPr>
+          <p:cNvSpPr>
+            <a:spLocks noGrp="1"/>
+          </p:cNvSpPr>
+          <p:nvPr>
+            <p:ph type="subTitle" idx="1"/>
+          </p:nvPr>
+        </p:nvSpPr>
         <p:spPr/>
         <p:txBody>
           <a:bodyPr/>
           <a:lstStyle/>
           <a:p>
-            <a:endParaRPr lang="da-DK"/>
-          </a:p>
-        </p:txBody>
-      </p:sp>
-      <p:sp>
-        <p:nvSpPr>
-          <p:cNvPr id="3" name="Undertitel 2">
-            <a:extLst>
-              <a:ext uri="{FF2B5EF4-FFF2-40B4-BE49-F238E27FC236}">
-                <a16:creationId xmlns:a16="http://schemas.microsoft.com/office/drawing/2014/main" id="{2387824E-49DA-3A4D-7C3E-C8D9BAA3B9A8}"/>
-              </a:ext>
-            </a:extLst>
-          </p:cNvPr>
-          <p:cNvSpPr>
-            <a:spLocks noGrp="1"/>
-          </p:cNvSpPr>
-          <p:nvPr>
-            <p:ph type="subTitle" idx="1"/>
-          </p:nvPr>
-        </p:nvSpPr>
-        <p:spPr/>
-        <p:txBody>
-          <a:bodyPr/>
-          <a:lstStyle/>
-          <a:p>
-            <a:endParaRPr lang="da-DK"/>
-          </a:p>
-        </p:txBody>
-      </p:sp>
+            <a:endParaRPr lang="da-DK" dirty="0"/>
+          </a:p>
+        </p:txBody>
+      </p:sp>
+      <p:pic>
+        <p:nvPicPr>
+          <p:cNvPr id="5" name="Grafik 4">
+            <a:extLst>
+              <a:ext uri="{FF2B5EF4-FFF2-40B4-BE49-F238E27FC236}">
+                <a16:creationId xmlns:a16="http://schemas.microsoft.com/office/drawing/2014/main" id="{7C5BADEF-2FD2-4092-0CF1-50A71546B891}"/>
+              </a:ext>
+            </a:extLst>
+          </p:cNvPr>
+          <p:cNvPicPr>
+            <a:picLocks noChangeAspect="1"/>
+          </p:cNvPicPr>
+          <p:nvPr/>
+        </p:nvPicPr>
+        <p:blipFill>
+          <a:blip r:embed="rId2">
+            <a:extLst>
+              <a:ext uri="{96DAC541-7B7A-43D3-8B79-37D633B846F1}">
+                <asvg:svgBlip xmlns:asvg="http://schemas.microsoft.com/office/drawing/2016/SVG/main" r:embed="rId3"/>
+              </a:ext>
+            </a:extLst>
+          </a:blip>
+          <a:stretch>
+            <a:fillRect/>
+          </a:stretch>
+        </p:blipFill>
+        <p:spPr>
+          <a:xfrm>
+            <a:off x="7208019" y="1600200"/>
+            <a:ext cx="4775433" cy="3585464"/>
+          </a:xfrm>
+          <a:prstGeom prst="rect">
+            <a:avLst/>
+          </a:prstGeom>
+        </p:spPr>
+      </p:pic>
+      <p:pic>
+        <p:nvPicPr>
+          <p:cNvPr id="7" name="Grafik 6">
+            <a:extLst>
+              <a:ext uri="{FF2B5EF4-FFF2-40B4-BE49-F238E27FC236}">
+                <a16:creationId xmlns:a16="http://schemas.microsoft.com/office/drawing/2014/main" id="{52C36FF5-4E25-0C5E-C50D-6E10C5E4EB8F}"/>
+              </a:ext>
+            </a:extLst>
+          </p:cNvPr>
+          <p:cNvPicPr>
+            <a:picLocks noChangeAspect="1"/>
+          </p:cNvPicPr>
+          <p:nvPr/>
+        </p:nvPicPr>
+        <p:blipFill>
+          <a:blip r:embed="rId4">
+            <a:extLst>
+              <a:ext uri="{96DAC541-7B7A-43D3-8B79-37D633B846F1}">
+                <asvg:svgBlip xmlns:asvg="http://schemas.microsoft.com/office/drawing/2016/SVG/main" r:embed="rId5"/>
+              </a:ext>
+            </a:extLst>
+          </a:blip>
+          <a:stretch>
+            <a:fillRect/>
+          </a:stretch>
+        </p:blipFill>
+        <p:spPr>
+          <a:xfrm>
+            <a:off x="-320841" y="1003881"/>
+            <a:ext cx="6875646" cy="2750258"/>
+          </a:xfrm>
+          <a:prstGeom prst="rect">
+            <a:avLst/>
+          </a:prstGeom>
+        </p:spPr>
+      </p:pic>
+      <p:pic>
+        <p:nvPicPr>
+          <p:cNvPr id="9" name="Grafik 8">
+            <a:extLst>
+              <a:ext uri="{FF2B5EF4-FFF2-40B4-BE49-F238E27FC236}">
+                <a16:creationId xmlns:a16="http://schemas.microsoft.com/office/drawing/2014/main" id="{5E09000A-AB86-2AB8-344A-E583BC29BA9C}"/>
+              </a:ext>
+            </a:extLst>
+          </p:cNvPr>
+          <p:cNvPicPr>
+            <a:picLocks noChangeAspect="1"/>
+          </p:cNvPicPr>
+          <p:nvPr/>
+        </p:nvPicPr>
+        <p:blipFill>
+          <a:blip r:embed="rId6">
+            <a:extLst>
+              <a:ext uri="{96DAC541-7B7A-43D3-8B79-37D633B846F1}">
+                <asvg:svgBlip xmlns:asvg="http://schemas.microsoft.com/office/drawing/2016/SVG/main" r:embed="rId7"/>
+              </a:ext>
+            </a:extLst>
+          </a:blip>
+          <a:stretch>
+            <a:fillRect/>
+          </a:stretch>
+        </p:blipFill>
+        <p:spPr>
+          <a:xfrm>
+            <a:off x="1360370" y="3754139"/>
+            <a:ext cx="4005413" cy="3007321"/>
+          </a:xfrm>
+          <a:prstGeom prst="rect">
+            <a:avLst/>
+          </a:prstGeom>
+        </p:spPr>
+      </p:pic>
     </p:spTree>
     <p:extLst>
       <p:ext uri="{BB962C8B-B14F-4D97-AF65-F5344CB8AC3E}">
         <p14:creationId xmlns:p14="http://schemas.microsoft.com/office/powerpoint/2010/main" val="3567890162"/>
+      </p:ext>
+    </p:extLst>
+  </p:cSld>
+  <p:clrMapOvr>
+    <a:masterClrMapping/>
+  </p:clrMapOvr>
+</p:sld>
+</file>
+
+<file path=ppt/slides/slide10.xml><?xml version="1.0" encoding="utf-8"?>
+<p:sld xmlns:a="http://schemas.openxmlformats.org/drawingml/2006/main" xmlns:r="http://schemas.openxmlformats.org/officeDocument/2006/relationships" xmlns:p="http://schemas.openxmlformats.org/presentationml/2006/main">
+  <p:cSld>
+    <p:spTree>
+      <p:nvGrpSpPr>
+        <p:cNvPr id="1" name=""/>
+        <p:cNvGrpSpPr/>
+        <p:nvPr/>
+      </p:nvGrpSpPr>
+      <p:grpSpPr>
+        <a:xfrm>
+          <a:off x="0" y="0"/>
+          <a:ext cx="0" cy="0"/>
+          <a:chOff x="0" y="0"/>
+          <a:chExt cx="0" cy="0"/>
+        </a:xfrm>
+      </p:grpSpPr>
+      <p:sp>
+        <p:nvSpPr>
+          <p:cNvPr id="2" name="Titel 1">
+            <a:extLst>
+              <a:ext uri="{FF2B5EF4-FFF2-40B4-BE49-F238E27FC236}">
+                <a16:creationId xmlns:a16="http://schemas.microsoft.com/office/drawing/2014/main" id="{3F580289-2AE7-F46E-03FE-896EAD348E05}"/>
+              </a:ext>
+            </a:extLst>
+          </p:cNvPr>
+          <p:cNvSpPr>
+            <a:spLocks noGrp="1"/>
+          </p:cNvSpPr>
+          <p:nvPr>
+            <p:ph type="title"/>
+          </p:nvPr>
+        </p:nvSpPr>
+        <p:spPr>
+          <a:xfrm>
+            <a:off x="106784" y="141511"/>
+            <a:ext cx="7507705" cy="1325563"/>
+          </a:xfrm>
+        </p:spPr>
+        <p:txBody>
+          <a:bodyPr/>
+          <a:lstStyle/>
+          <a:p>
+            <a:r>
+              <a:rPr lang="da-DK" dirty="0" err="1">
+                <a:latin typeface="Times New Roman" panose="02020603050405020304" pitchFamily="18" charset="0"/>
+                <a:cs typeface="Times New Roman" panose="02020603050405020304" pitchFamily="18" charset="0"/>
+              </a:rPr>
+              <a:t>Kernel</a:t>
+            </a:r>
+            <a:r>
+              <a:rPr lang="da-DK" dirty="0">
+                <a:latin typeface="Times New Roman" panose="02020603050405020304" pitchFamily="18" charset="0"/>
+                <a:cs typeface="Times New Roman" panose="02020603050405020304" pitchFamily="18" charset="0"/>
+              </a:rPr>
+              <a:t> </a:t>
+            </a:r>
+            <a:r>
+              <a:rPr lang="da-DK" dirty="0" err="1">
+                <a:latin typeface="Times New Roman" panose="02020603050405020304" pitchFamily="18" charset="0"/>
+                <a:cs typeface="Times New Roman" panose="02020603050405020304" pitchFamily="18" charset="0"/>
+              </a:rPr>
+              <a:t>Ridge</a:t>
+            </a:r>
+            <a:r>
+              <a:rPr lang="da-DK" dirty="0">
+                <a:latin typeface="Times New Roman" panose="02020603050405020304" pitchFamily="18" charset="0"/>
+                <a:cs typeface="Times New Roman" panose="02020603050405020304" pitchFamily="18" charset="0"/>
+              </a:rPr>
+              <a:t> Regression – </a:t>
+            </a:r>
+            <a:r>
+              <a:rPr lang="da-DK" dirty="0" err="1">
+                <a:latin typeface="Times New Roman" panose="02020603050405020304" pitchFamily="18" charset="0"/>
+                <a:cs typeface="Times New Roman" panose="02020603050405020304" pitchFamily="18" charset="0"/>
+              </a:rPr>
+              <a:t>Exercise</a:t>
+            </a:r>
+            <a:r>
+              <a:rPr lang="da-DK" dirty="0">
+                <a:latin typeface="Times New Roman" panose="02020603050405020304" pitchFamily="18" charset="0"/>
+                <a:cs typeface="Times New Roman" panose="02020603050405020304" pitchFamily="18" charset="0"/>
+              </a:rPr>
+              <a:t> 34</a:t>
+            </a:r>
+          </a:p>
+        </p:txBody>
+      </p:sp>
+      <p:pic>
+        <p:nvPicPr>
+          <p:cNvPr id="4" name="Pladsholder til indhold 3">
+            <a:extLst>
+              <a:ext uri="{FF2B5EF4-FFF2-40B4-BE49-F238E27FC236}">
+                <a16:creationId xmlns:a16="http://schemas.microsoft.com/office/drawing/2014/main" id="{FA9A82DB-6E62-0DD8-D9D0-503A05AFBA45}"/>
+              </a:ext>
+            </a:extLst>
+          </p:cNvPr>
+          <p:cNvPicPr>
+            <a:picLocks noGrp="1" noChangeAspect="1"/>
+          </p:cNvPicPr>
+          <p:nvPr>
+            <p:ph idx="1"/>
+          </p:nvPr>
+        </p:nvPicPr>
+        <p:blipFill>
+          <a:blip r:embed="rId2">
+            <a:extLst>
+              <a:ext uri="{96DAC541-7B7A-43D3-8B79-37D633B846F1}">
+                <asvg:svgBlip xmlns:asvg="http://schemas.microsoft.com/office/drawing/2016/SVG/main" r:embed="rId3"/>
+              </a:ext>
+            </a:extLst>
+          </a:blip>
+          <a:stretch>
+            <a:fillRect/>
+          </a:stretch>
+        </p:blipFill>
+        <p:spPr>
+          <a:xfrm>
+            <a:off x="-288758" y="1494217"/>
+            <a:ext cx="7305575" cy="2922230"/>
+          </a:xfrm>
+          <a:prstGeom prst="rect">
+            <a:avLst/>
+          </a:prstGeom>
+        </p:spPr>
+      </p:pic>
+      <p:pic>
+        <p:nvPicPr>
+          <p:cNvPr id="5" name="Grafik 4">
+            <a:extLst>
+              <a:ext uri="{FF2B5EF4-FFF2-40B4-BE49-F238E27FC236}">
+                <a16:creationId xmlns:a16="http://schemas.microsoft.com/office/drawing/2014/main" id="{8930ADCF-4DDC-6E6E-67AE-22C1D805F95E}"/>
+              </a:ext>
+            </a:extLst>
+          </p:cNvPr>
+          <p:cNvPicPr>
+            <a:picLocks noChangeAspect="1"/>
+          </p:cNvPicPr>
+          <p:nvPr/>
+        </p:nvPicPr>
+        <p:blipFill>
+          <a:blip r:embed="rId4">
+            <a:extLst>
+              <a:ext uri="{96DAC541-7B7A-43D3-8B79-37D633B846F1}">
+                <asvg:svgBlip xmlns:asvg="http://schemas.microsoft.com/office/drawing/2016/SVG/main" r:embed="rId5"/>
+              </a:ext>
+            </a:extLst>
+          </a:blip>
+          <a:stretch>
+            <a:fillRect/>
+          </a:stretch>
+        </p:blipFill>
+        <p:spPr>
+          <a:xfrm>
+            <a:off x="7614489" y="3299645"/>
+            <a:ext cx="4577511" cy="3436862"/>
+          </a:xfrm>
+          <a:prstGeom prst="rect">
+            <a:avLst/>
+          </a:prstGeom>
+        </p:spPr>
+      </p:pic>
+      <p:pic>
+        <p:nvPicPr>
+          <p:cNvPr id="7" name="Grafik 6">
+            <a:extLst>
+              <a:ext uri="{FF2B5EF4-FFF2-40B4-BE49-F238E27FC236}">
+                <a16:creationId xmlns:a16="http://schemas.microsoft.com/office/drawing/2014/main" id="{1116384A-3AB0-149C-7C19-02D8529E794E}"/>
+              </a:ext>
+            </a:extLst>
+          </p:cNvPr>
+          <p:cNvPicPr>
+            <a:picLocks noChangeAspect="1"/>
+          </p:cNvPicPr>
+          <p:nvPr/>
+        </p:nvPicPr>
+        <p:blipFill>
+          <a:blip r:embed="rId6">
+            <a:extLst>
+              <a:ext uri="{96DAC541-7B7A-43D3-8B79-37D633B846F1}">
+                <asvg:svgBlip xmlns:asvg="http://schemas.microsoft.com/office/drawing/2016/SVG/main" r:embed="rId7"/>
+              </a:ext>
+            </a:extLst>
+          </a:blip>
+          <a:stretch>
+            <a:fillRect/>
+          </a:stretch>
+        </p:blipFill>
+        <p:spPr>
+          <a:xfrm>
+            <a:off x="7614488" y="-40107"/>
+            <a:ext cx="4577511" cy="3436860"/>
+          </a:xfrm>
+          <a:prstGeom prst="rect">
+            <a:avLst/>
+          </a:prstGeom>
+        </p:spPr>
+      </p:pic>
+    </p:spTree>
+    <p:extLst>
+      <p:ext uri="{BB962C8B-B14F-4D97-AF65-F5344CB8AC3E}">
+        <p14:creationId xmlns:p14="http://schemas.microsoft.com/office/powerpoint/2010/main" val="196172260"/>
+      </p:ext>
+    </p:extLst>
+  </p:cSld>
+  <p:clrMapOvr>
+    <a:masterClrMapping/>
+  </p:clrMapOvr>
+</p:sld>
+</file>
+
+<file path=ppt/slides/slide11.xml><?xml version="1.0" encoding="utf-8"?>
+<p:sld xmlns:a="http://schemas.openxmlformats.org/drawingml/2006/main" xmlns:r="http://schemas.openxmlformats.org/officeDocument/2006/relationships" xmlns:p="http://schemas.openxmlformats.org/presentationml/2006/main">
+  <p:cSld>
+    <p:spTree>
+      <p:nvGrpSpPr>
+        <p:cNvPr id="1" name="">
+          <a:extLst>
+            <a:ext uri="{FF2B5EF4-FFF2-40B4-BE49-F238E27FC236}">
+              <a16:creationId xmlns:a16="http://schemas.microsoft.com/office/drawing/2014/main" id="{DB54F0DD-11C9-7342-F58B-E245B3ADAB1C}"/>
+            </a:ext>
+          </a:extLst>
+        </p:cNvPr>
+        <p:cNvGrpSpPr/>
+        <p:nvPr/>
+      </p:nvGrpSpPr>
+      <p:grpSpPr>
+        <a:xfrm>
+          <a:off x="0" y="0"/>
+          <a:ext cx="0" cy="0"/>
+          <a:chOff x="0" y="0"/>
+          <a:chExt cx="0" cy="0"/>
+        </a:xfrm>
+      </p:grpSpPr>
+      <p:sp>
+        <p:nvSpPr>
+          <p:cNvPr id="2" name="Titel 1">
+            <a:extLst>
+              <a:ext uri="{FF2B5EF4-FFF2-40B4-BE49-F238E27FC236}">
+                <a16:creationId xmlns:a16="http://schemas.microsoft.com/office/drawing/2014/main" id="{F5060E3A-3BA3-18AE-8019-694138850529}"/>
+              </a:ext>
+            </a:extLst>
+          </p:cNvPr>
+          <p:cNvSpPr>
+            <a:spLocks noGrp="1"/>
+          </p:cNvSpPr>
+          <p:nvPr>
+            <p:ph type="title"/>
+          </p:nvPr>
+        </p:nvSpPr>
+        <p:spPr/>
+        <p:txBody>
+          <a:bodyPr/>
+          <a:lstStyle/>
+          <a:p>
+            <a:r>
+              <a:rPr lang="da-DK" dirty="0" err="1">
+                <a:latin typeface="Times New Roman" panose="02020603050405020304" pitchFamily="18" charset="0"/>
+                <a:cs typeface="Times New Roman" panose="02020603050405020304" pitchFamily="18" charset="0"/>
+              </a:rPr>
+              <a:t>Parametric</a:t>
+            </a:r>
+            <a:r>
+              <a:rPr lang="da-DK" dirty="0">
+                <a:latin typeface="Times New Roman" panose="02020603050405020304" pitchFamily="18" charset="0"/>
+                <a:cs typeface="Times New Roman" panose="02020603050405020304" pitchFamily="18" charset="0"/>
+              </a:rPr>
+              <a:t> Regression – </a:t>
+            </a:r>
+            <a:r>
+              <a:rPr lang="da-DK" dirty="0" err="1">
+                <a:latin typeface="Times New Roman" panose="02020603050405020304" pitchFamily="18" charset="0"/>
+                <a:cs typeface="Times New Roman" panose="02020603050405020304" pitchFamily="18" charset="0"/>
+              </a:rPr>
+              <a:t>Kernel</a:t>
+            </a:r>
+            <a:r>
+              <a:rPr lang="da-DK" dirty="0">
+                <a:latin typeface="Times New Roman" panose="02020603050405020304" pitchFamily="18" charset="0"/>
+                <a:cs typeface="Times New Roman" panose="02020603050405020304" pitchFamily="18" charset="0"/>
+              </a:rPr>
+              <a:t> </a:t>
+            </a:r>
+            <a:r>
+              <a:rPr lang="da-DK" dirty="0" err="1">
+                <a:latin typeface="Times New Roman" panose="02020603050405020304" pitchFamily="18" charset="0"/>
+                <a:cs typeface="Times New Roman" panose="02020603050405020304" pitchFamily="18" charset="0"/>
+              </a:rPr>
+              <a:t>Ridge</a:t>
+            </a:r>
+            <a:r>
+              <a:rPr lang="da-DK" dirty="0">
+                <a:latin typeface="Times New Roman" panose="02020603050405020304" pitchFamily="18" charset="0"/>
+                <a:cs typeface="Times New Roman" panose="02020603050405020304" pitchFamily="18" charset="0"/>
+              </a:rPr>
+              <a:t> Regression</a:t>
+            </a:r>
+          </a:p>
+        </p:txBody>
+      </p:sp>
+      <p:sp>
+        <p:nvSpPr>
+          <p:cNvPr id="3" name="Pladsholder til indhold 2">
+            <a:extLst>
+              <a:ext uri="{FF2B5EF4-FFF2-40B4-BE49-F238E27FC236}">
+                <a16:creationId xmlns:a16="http://schemas.microsoft.com/office/drawing/2014/main" id="{7A52CD7B-D94E-020B-FD69-FD8F797D259C}"/>
+              </a:ext>
+            </a:extLst>
+          </p:cNvPr>
+          <p:cNvSpPr>
+            <a:spLocks noGrp="1"/>
+          </p:cNvSpPr>
+          <p:nvPr>
+            <p:ph idx="1"/>
+          </p:nvPr>
+        </p:nvSpPr>
+        <p:spPr/>
+        <p:txBody>
+          <a:bodyPr/>
+          <a:lstStyle/>
+          <a:p>
+            <a:r>
+              <a:rPr lang="da-DK" dirty="0">
+                <a:latin typeface="Times New Roman" panose="02020603050405020304" pitchFamily="18" charset="0"/>
+                <a:cs typeface="Times New Roman" panose="02020603050405020304" pitchFamily="18" charset="0"/>
+              </a:rPr>
+              <a:t>Derivation &amp; </a:t>
+            </a:r>
+            <a:r>
+              <a:rPr lang="da-DK" dirty="0" err="1">
+                <a:latin typeface="Times New Roman" panose="02020603050405020304" pitchFamily="18" charset="0"/>
+                <a:cs typeface="Times New Roman" panose="02020603050405020304" pitchFamily="18" charset="0"/>
+              </a:rPr>
+              <a:t>idea</a:t>
+            </a:r>
+            <a:endParaRPr lang="da-DK" dirty="0">
+              <a:latin typeface="Times New Roman" panose="02020603050405020304" pitchFamily="18" charset="0"/>
+              <a:cs typeface="Times New Roman" panose="02020603050405020304" pitchFamily="18" charset="0"/>
+            </a:endParaRPr>
+          </a:p>
+          <a:p>
+            <a:r>
+              <a:rPr lang="da-DK" dirty="0" err="1">
+                <a:latin typeface="Times New Roman" panose="02020603050405020304" pitchFamily="18" charset="0"/>
+                <a:cs typeface="Times New Roman" panose="02020603050405020304" pitchFamily="18" charset="0"/>
+              </a:rPr>
+              <a:t>Exercise</a:t>
+            </a:r>
+            <a:r>
+              <a:rPr lang="da-DK" dirty="0">
+                <a:latin typeface="Times New Roman" panose="02020603050405020304" pitchFamily="18" charset="0"/>
+                <a:cs typeface="Times New Roman" panose="02020603050405020304" pitchFamily="18" charset="0"/>
+              </a:rPr>
+              <a:t> 34</a:t>
+            </a:r>
+          </a:p>
+          <a:p>
+            <a:r>
+              <a:rPr lang="da-DK" dirty="0" err="1">
+                <a:latin typeface="Times New Roman" panose="02020603050405020304" pitchFamily="18" charset="0"/>
+                <a:cs typeface="Times New Roman" panose="02020603050405020304" pitchFamily="18" charset="0"/>
+              </a:rPr>
+              <a:t>Benefits</a:t>
+            </a:r>
+            <a:endParaRPr lang="da-DK" dirty="0">
+              <a:latin typeface="Times New Roman" panose="02020603050405020304" pitchFamily="18" charset="0"/>
+              <a:cs typeface="Times New Roman" panose="02020603050405020304" pitchFamily="18" charset="0"/>
+            </a:endParaRPr>
+          </a:p>
+          <a:p>
+            <a:pPr lvl="1"/>
+            <a:r>
+              <a:rPr lang="da-DK" dirty="0">
+                <a:latin typeface="Times New Roman" panose="02020603050405020304" pitchFamily="18" charset="0"/>
+                <a:cs typeface="Times New Roman" panose="02020603050405020304" pitchFamily="18" charset="0"/>
+              </a:rPr>
+              <a:t>Has </a:t>
+            </a:r>
+            <a:r>
+              <a:rPr lang="da-DK" dirty="0" err="1">
+                <a:latin typeface="Times New Roman" panose="02020603050405020304" pitchFamily="18" charset="0"/>
+                <a:cs typeface="Times New Roman" panose="02020603050405020304" pitchFamily="18" charset="0"/>
+              </a:rPr>
+              <a:t>closed</a:t>
+            </a:r>
+            <a:r>
+              <a:rPr lang="da-DK" dirty="0">
+                <a:latin typeface="Times New Roman" panose="02020603050405020304" pitchFamily="18" charset="0"/>
+                <a:cs typeface="Times New Roman" panose="02020603050405020304" pitchFamily="18" charset="0"/>
+              </a:rPr>
+              <a:t> from solutions</a:t>
+            </a:r>
+          </a:p>
+          <a:p>
+            <a:pPr lvl="1"/>
+            <a:r>
+              <a:rPr lang="da-DK" dirty="0" err="1">
+                <a:latin typeface="Times New Roman" panose="02020603050405020304" pitchFamily="18" charset="0"/>
+                <a:cs typeface="Times New Roman" panose="02020603050405020304" pitchFamily="18" charset="0"/>
+              </a:rPr>
+              <a:t>Kernel</a:t>
+            </a:r>
+            <a:r>
+              <a:rPr lang="da-DK" dirty="0">
+                <a:latin typeface="Times New Roman" panose="02020603050405020304" pitchFamily="18" charset="0"/>
+                <a:cs typeface="Times New Roman" panose="02020603050405020304" pitchFamily="18" charset="0"/>
+              </a:rPr>
+              <a:t> &amp; data </a:t>
+            </a:r>
+            <a:r>
+              <a:rPr lang="da-DK" dirty="0" err="1">
+                <a:latin typeface="Times New Roman" panose="02020603050405020304" pitchFamily="18" charset="0"/>
+                <a:cs typeface="Times New Roman" panose="02020603050405020304" pitchFamily="18" charset="0"/>
+              </a:rPr>
+              <a:t>decides</a:t>
+            </a:r>
+            <a:r>
+              <a:rPr lang="da-DK" dirty="0">
+                <a:latin typeface="Times New Roman" panose="02020603050405020304" pitchFamily="18" charset="0"/>
+                <a:cs typeface="Times New Roman" panose="02020603050405020304" pitchFamily="18" charset="0"/>
+              </a:rPr>
+              <a:t> fit</a:t>
+            </a:r>
+          </a:p>
+          <a:p>
+            <a:r>
+              <a:rPr lang="da-DK" dirty="0" err="1">
+                <a:latin typeface="Times New Roman" panose="02020603050405020304" pitchFamily="18" charset="0"/>
+                <a:cs typeface="Times New Roman" panose="02020603050405020304" pitchFamily="18" charset="0"/>
+              </a:rPr>
+              <a:t>Disadvanteges</a:t>
+            </a:r>
+            <a:endParaRPr lang="da-DK" dirty="0">
+              <a:latin typeface="Times New Roman" panose="02020603050405020304" pitchFamily="18" charset="0"/>
+              <a:cs typeface="Times New Roman" panose="02020603050405020304" pitchFamily="18" charset="0"/>
+            </a:endParaRPr>
+          </a:p>
+          <a:p>
+            <a:pPr lvl="1"/>
+            <a:r>
+              <a:rPr lang="da-DK" dirty="0" err="1">
+                <a:latin typeface="Times New Roman" panose="02020603050405020304" pitchFamily="18" charset="0"/>
+                <a:cs typeface="Times New Roman" panose="02020603050405020304" pitchFamily="18" charset="0"/>
+              </a:rPr>
+              <a:t>Hyperparameters</a:t>
+            </a:r>
+            <a:r>
+              <a:rPr lang="da-DK" dirty="0">
+                <a:latin typeface="Times New Roman" panose="02020603050405020304" pitchFamily="18" charset="0"/>
+                <a:cs typeface="Times New Roman" panose="02020603050405020304" pitchFamily="18" charset="0"/>
+              </a:rPr>
+              <a:t> for </a:t>
+            </a:r>
+            <a:r>
+              <a:rPr lang="da-DK" dirty="0" err="1">
+                <a:latin typeface="Times New Roman" panose="02020603050405020304" pitchFamily="18" charset="0"/>
+                <a:cs typeface="Times New Roman" panose="02020603050405020304" pitchFamily="18" charset="0"/>
+              </a:rPr>
+              <a:t>kernel</a:t>
+            </a:r>
+            <a:endParaRPr lang="da-DK" dirty="0">
+              <a:latin typeface="Times New Roman" panose="02020603050405020304" pitchFamily="18" charset="0"/>
+              <a:cs typeface="Times New Roman" panose="02020603050405020304" pitchFamily="18" charset="0"/>
+            </a:endParaRPr>
+          </a:p>
+          <a:p>
+            <a:r>
+              <a:rPr lang="da-DK" dirty="0">
+                <a:latin typeface="Times New Roman" panose="02020603050405020304" pitchFamily="18" charset="0"/>
+                <a:cs typeface="Times New Roman" panose="02020603050405020304" pitchFamily="18" charset="0"/>
+              </a:rPr>
+              <a:t>Regression </a:t>
+            </a:r>
+            <a:r>
+              <a:rPr lang="da-DK" dirty="0" err="1">
+                <a:latin typeface="Times New Roman" panose="02020603050405020304" pitchFamily="18" charset="0"/>
+                <a:cs typeface="Times New Roman" panose="02020603050405020304" pitchFamily="18" charset="0"/>
+              </a:rPr>
+              <a:t>usages</a:t>
+            </a:r>
+            <a:r>
+              <a:rPr lang="da-DK" dirty="0">
+                <a:latin typeface="Times New Roman" panose="02020603050405020304" pitchFamily="18" charset="0"/>
+                <a:cs typeface="Times New Roman" panose="02020603050405020304" pitchFamily="18" charset="0"/>
+              </a:rPr>
+              <a:t> in general</a:t>
+            </a:r>
+          </a:p>
+        </p:txBody>
+      </p:sp>
+    </p:spTree>
+    <p:extLst>
+      <p:ext uri="{BB962C8B-B14F-4D97-AF65-F5344CB8AC3E}">
+        <p14:creationId xmlns:p14="http://schemas.microsoft.com/office/powerpoint/2010/main" val="1209740586"/>
+      </p:ext>
+    </p:extLst>
+  </p:cSld>
+  <p:clrMapOvr>
+    <a:masterClrMapping/>
+  </p:clrMapOvr>
+</p:sld>
+</file>
+
+<file path=ppt/slides/slide12.xml><?xml version="1.0" encoding="utf-8"?>
+<p:sld xmlns:a="http://schemas.openxmlformats.org/drawingml/2006/main" xmlns:r="http://schemas.openxmlformats.org/officeDocument/2006/relationships" xmlns:p="http://schemas.openxmlformats.org/presentationml/2006/main">
+  <p:cSld>
+    <p:spTree>
+      <p:nvGrpSpPr>
+        <p:cNvPr id="1" name=""/>
+        <p:cNvGrpSpPr/>
+        <p:nvPr/>
+      </p:nvGrpSpPr>
+      <p:grpSpPr>
+        <a:xfrm>
+          <a:off x="0" y="0"/>
+          <a:ext cx="0" cy="0"/>
+          <a:chOff x="0" y="0"/>
+          <a:chExt cx="0" cy="0"/>
+        </a:xfrm>
+      </p:grpSpPr>
+      <p:sp>
+        <p:nvSpPr>
+          <p:cNvPr id="2" name="Titel 1">
+            <a:extLst>
+              <a:ext uri="{FF2B5EF4-FFF2-40B4-BE49-F238E27FC236}">
+                <a16:creationId xmlns:a16="http://schemas.microsoft.com/office/drawing/2014/main" id="{CC040463-9252-1499-E128-E12A83FE87D3}"/>
+              </a:ext>
+            </a:extLst>
+          </p:cNvPr>
+          <p:cNvSpPr>
+            <a:spLocks noGrp="1"/>
+          </p:cNvSpPr>
+          <p:nvPr>
+            <p:ph type="title"/>
+          </p:nvPr>
+        </p:nvSpPr>
+        <p:spPr/>
+        <p:txBody>
+          <a:bodyPr/>
+          <a:lstStyle/>
+          <a:p>
+            <a:r>
+              <a:rPr lang="da-DK" dirty="0">
+                <a:latin typeface="Times New Roman" panose="02020603050405020304" pitchFamily="18" charset="0"/>
+                <a:cs typeface="Times New Roman" panose="02020603050405020304" pitchFamily="18" charset="0"/>
+              </a:rPr>
+              <a:t>Using Neural Networks for Regression</a:t>
+            </a:r>
+          </a:p>
+        </p:txBody>
+      </p:sp>
+      <p:sp>
+        <p:nvSpPr>
+          <p:cNvPr id="3" name="Pladsholder til indhold 2">
+            <a:extLst>
+              <a:ext uri="{FF2B5EF4-FFF2-40B4-BE49-F238E27FC236}">
+                <a16:creationId xmlns:a16="http://schemas.microsoft.com/office/drawing/2014/main" id="{D5411AD1-D46E-465D-4815-C26DBA15787E}"/>
+              </a:ext>
+            </a:extLst>
+          </p:cNvPr>
+          <p:cNvSpPr>
+            <a:spLocks noGrp="1"/>
+          </p:cNvSpPr>
+          <p:nvPr>
+            <p:ph idx="1"/>
+          </p:nvPr>
+        </p:nvSpPr>
+        <p:spPr/>
+        <p:txBody>
+          <a:bodyPr/>
+          <a:lstStyle/>
+          <a:p>
+            <a:r>
+              <a:rPr lang="da-DK" dirty="0">
+                <a:latin typeface="Times New Roman" panose="02020603050405020304" pitchFamily="18" charset="0"/>
+                <a:cs typeface="Times New Roman" panose="02020603050405020304" pitchFamily="18" charset="0"/>
+              </a:rPr>
+              <a:t>Universal </a:t>
+            </a:r>
+            <a:r>
+              <a:rPr lang="da-DK" dirty="0" err="1">
+                <a:latin typeface="Times New Roman" panose="02020603050405020304" pitchFamily="18" charset="0"/>
+                <a:cs typeface="Times New Roman" panose="02020603050405020304" pitchFamily="18" charset="0"/>
+              </a:rPr>
+              <a:t>function</a:t>
+            </a:r>
+            <a:r>
+              <a:rPr lang="da-DK" dirty="0">
+                <a:latin typeface="Times New Roman" panose="02020603050405020304" pitchFamily="18" charset="0"/>
+                <a:cs typeface="Times New Roman" panose="02020603050405020304" pitchFamily="18" charset="0"/>
+              </a:rPr>
+              <a:t> </a:t>
+            </a:r>
+            <a:r>
+              <a:rPr lang="da-DK" dirty="0" err="1">
+                <a:latin typeface="Times New Roman" panose="02020603050405020304" pitchFamily="18" charset="0"/>
+                <a:cs typeface="Times New Roman" panose="02020603050405020304" pitchFamily="18" charset="0"/>
+              </a:rPr>
+              <a:t>approximator</a:t>
+            </a:r>
+            <a:endParaRPr lang="da-DK" dirty="0">
+              <a:latin typeface="Times New Roman" panose="02020603050405020304" pitchFamily="18" charset="0"/>
+              <a:cs typeface="Times New Roman" panose="02020603050405020304" pitchFamily="18" charset="0"/>
+            </a:endParaRPr>
+          </a:p>
+          <a:p>
+            <a:r>
+              <a:rPr lang="da-DK" dirty="0" err="1">
+                <a:latin typeface="Times New Roman" panose="02020603050405020304" pitchFamily="18" charset="0"/>
+                <a:cs typeface="Times New Roman" panose="02020603050405020304" pitchFamily="18" charset="0"/>
+              </a:rPr>
+              <a:t>Minimize</a:t>
+            </a:r>
+            <a:r>
+              <a:rPr lang="da-DK" dirty="0">
+                <a:latin typeface="Times New Roman" panose="02020603050405020304" pitchFamily="18" charset="0"/>
+                <a:cs typeface="Times New Roman" panose="02020603050405020304" pitchFamily="18" charset="0"/>
+              </a:rPr>
+              <a:t> </a:t>
+            </a:r>
+            <a:r>
+              <a:rPr lang="da-DK" dirty="0" err="1">
+                <a:latin typeface="Times New Roman" panose="02020603050405020304" pitchFamily="18" charset="0"/>
+                <a:cs typeface="Times New Roman" panose="02020603050405020304" pitchFamily="18" charset="0"/>
+              </a:rPr>
+              <a:t>loss</a:t>
+            </a:r>
+            <a:r>
+              <a:rPr lang="da-DK" dirty="0">
+                <a:latin typeface="Times New Roman" panose="02020603050405020304" pitchFamily="18" charset="0"/>
+                <a:cs typeface="Times New Roman" panose="02020603050405020304" pitchFamily="18" charset="0"/>
+              </a:rPr>
+              <a:t> as </a:t>
+            </a:r>
+            <a:r>
+              <a:rPr lang="da-DK" dirty="0" err="1">
+                <a:latin typeface="Times New Roman" panose="02020603050405020304" pitchFamily="18" charset="0"/>
+                <a:cs typeface="Times New Roman" panose="02020603050405020304" pitchFamily="18" charset="0"/>
+              </a:rPr>
+              <a:t>always</a:t>
+            </a:r>
+            <a:endParaRPr lang="da-DK" dirty="0">
+              <a:latin typeface="Times New Roman" panose="02020603050405020304" pitchFamily="18" charset="0"/>
+              <a:cs typeface="Times New Roman" panose="02020603050405020304" pitchFamily="18" charset="0"/>
+            </a:endParaRPr>
+          </a:p>
+          <a:p>
+            <a:r>
+              <a:rPr lang="da-DK" dirty="0" err="1">
+                <a:latin typeface="Times New Roman" panose="02020603050405020304" pitchFamily="18" charset="0"/>
+                <a:cs typeface="Times New Roman" panose="02020603050405020304" pitchFamily="18" charset="0"/>
+              </a:rPr>
+              <a:t>Exercise</a:t>
+            </a:r>
+            <a:r>
+              <a:rPr lang="da-DK" dirty="0">
+                <a:latin typeface="Times New Roman" panose="02020603050405020304" pitchFamily="18" charset="0"/>
+                <a:cs typeface="Times New Roman" panose="02020603050405020304" pitchFamily="18" charset="0"/>
+              </a:rPr>
+              <a:t> 51 and 53</a:t>
+            </a:r>
+          </a:p>
+        </p:txBody>
+      </p:sp>
+    </p:spTree>
+    <p:extLst>
+      <p:ext uri="{BB962C8B-B14F-4D97-AF65-F5344CB8AC3E}">
+        <p14:creationId xmlns:p14="http://schemas.microsoft.com/office/powerpoint/2010/main" val="3539702401"/>
+      </p:ext>
+    </p:extLst>
+  </p:cSld>
+  <p:clrMapOvr>
+    <a:masterClrMapping/>
+  </p:clrMapOvr>
+</p:sld>
+</file>
+
+<file path=ppt/slides/slide13.xml><?xml version="1.0" encoding="utf-8"?>
+<p:sld xmlns:a="http://schemas.openxmlformats.org/drawingml/2006/main" xmlns:r="http://schemas.openxmlformats.org/officeDocument/2006/relationships" xmlns:p="http://schemas.openxmlformats.org/presentationml/2006/main">
+  <p:cSld>
+    <p:spTree>
+      <p:nvGrpSpPr>
+        <p:cNvPr id="1" name=""/>
+        <p:cNvGrpSpPr/>
+        <p:nvPr/>
+      </p:nvGrpSpPr>
+      <p:grpSpPr>
+        <a:xfrm>
+          <a:off x="0" y="0"/>
+          <a:ext cx="0" cy="0"/>
+          <a:chOff x="0" y="0"/>
+          <a:chExt cx="0" cy="0"/>
+        </a:xfrm>
+      </p:grpSpPr>
+      <p:sp>
+        <p:nvSpPr>
+          <p:cNvPr id="2" name="Titel 1">
+            <a:extLst>
+              <a:ext uri="{FF2B5EF4-FFF2-40B4-BE49-F238E27FC236}">
+                <a16:creationId xmlns:a16="http://schemas.microsoft.com/office/drawing/2014/main" id="{7F7D5686-E40B-8F2B-AC3C-C283AE369885}"/>
+              </a:ext>
+            </a:extLst>
+          </p:cNvPr>
+          <p:cNvSpPr>
+            <a:spLocks noGrp="1"/>
+          </p:cNvSpPr>
+          <p:nvPr>
+            <p:ph type="title"/>
+          </p:nvPr>
+        </p:nvSpPr>
+        <p:spPr/>
+        <p:txBody>
+          <a:bodyPr/>
+          <a:lstStyle/>
+          <a:p>
+            <a:r>
+              <a:rPr lang="da-DK" dirty="0" err="1">
+                <a:latin typeface="Times New Roman" panose="02020603050405020304" pitchFamily="18" charset="0"/>
+                <a:cs typeface="Times New Roman" panose="02020603050405020304" pitchFamily="18" charset="0"/>
+              </a:rPr>
+              <a:t>Exercise</a:t>
+            </a:r>
+            <a:r>
+              <a:rPr lang="da-DK" dirty="0">
+                <a:latin typeface="Times New Roman" panose="02020603050405020304" pitchFamily="18" charset="0"/>
+                <a:cs typeface="Times New Roman" panose="02020603050405020304" pitchFamily="18" charset="0"/>
+              </a:rPr>
+              <a:t> 51</a:t>
+            </a:r>
+          </a:p>
+        </p:txBody>
+      </p:sp>
+      <p:pic>
+        <p:nvPicPr>
+          <p:cNvPr id="5" name="Pladsholder til indhold 4">
+            <a:extLst>
+              <a:ext uri="{FF2B5EF4-FFF2-40B4-BE49-F238E27FC236}">
+                <a16:creationId xmlns:a16="http://schemas.microsoft.com/office/drawing/2014/main" id="{B1FDE8AC-3D6A-A6C1-6B4D-8CAA8F9CD980}"/>
+              </a:ext>
+            </a:extLst>
+          </p:cNvPr>
+          <p:cNvPicPr>
+            <a:picLocks noGrp="1" noChangeAspect="1"/>
+          </p:cNvPicPr>
+          <p:nvPr>
+            <p:ph idx="1"/>
+          </p:nvPr>
+        </p:nvPicPr>
+        <p:blipFill>
+          <a:blip r:embed="rId2">
+            <a:extLst>
+              <a:ext uri="{96DAC541-7B7A-43D3-8B79-37D633B846F1}">
+                <asvg:svgBlip xmlns:asvg="http://schemas.microsoft.com/office/drawing/2016/SVG/main" r:embed="rId3"/>
+              </a:ext>
+            </a:extLst>
+          </a:blip>
+          <a:stretch>
+            <a:fillRect/>
+          </a:stretch>
+        </p:blipFill>
+        <p:spPr>
+          <a:xfrm>
+            <a:off x="7585359" y="-312928"/>
+            <a:ext cx="4775433" cy="3585464"/>
+          </a:xfrm>
+        </p:spPr>
+      </p:pic>
+      <p:pic>
+        <p:nvPicPr>
+          <p:cNvPr id="6" name="Grafik 5">
+            <a:extLst>
+              <a:ext uri="{FF2B5EF4-FFF2-40B4-BE49-F238E27FC236}">
+                <a16:creationId xmlns:a16="http://schemas.microsoft.com/office/drawing/2014/main" id="{5F830969-3C76-84FF-3FDF-236C654B0F8F}"/>
+              </a:ext>
+            </a:extLst>
+          </p:cNvPr>
+          <p:cNvPicPr>
+            <a:picLocks noChangeAspect="1"/>
+          </p:cNvPicPr>
+          <p:nvPr/>
+        </p:nvPicPr>
+        <p:blipFill>
+          <a:blip r:embed="rId4">
+            <a:extLst>
+              <a:ext uri="{96DAC541-7B7A-43D3-8B79-37D633B846F1}">
+                <asvg:svgBlip xmlns:asvg="http://schemas.microsoft.com/office/drawing/2016/SVG/main" r:embed="rId5"/>
+              </a:ext>
+            </a:extLst>
+          </a:blip>
+          <a:stretch>
+            <a:fillRect/>
+          </a:stretch>
+        </p:blipFill>
+        <p:spPr>
+          <a:xfrm>
+            <a:off x="7585359" y="3272536"/>
+            <a:ext cx="4775433" cy="3585464"/>
+          </a:xfrm>
+          <a:prstGeom prst="rect">
+            <a:avLst/>
+          </a:prstGeom>
+        </p:spPr>
+      </p:pic>
+      <p:sp>
+        <p:nvSpPr>
+          <p:cNvPr id="7" name="Tekstfelt 6">
+            <a:extLst>
+              <a:ext uri="{FF2B5EF4-FFF2-40B4-BE49-F238E27FC236}">
+                <a16:creationId xmlns:a16="http://schemas.microsoft.com/office/drawing/2014/main" id="{811187C4-7498-5DDE-CBC6-2DCE2D7FEAC9}"/>
+              </a:ext>
+            </a:extLst>
+          </p:cNvPr>
+          <p:cNvSpPr txBox="1"/>
+          <p:nvPr/>
+        </p:nvSpPr>
+        <p:spPr>
+          <a:xfrm>
+            <a:off x="510940" y="1690688"/>
+            <a:ext cx="7275898" cy="1815882"/>
+          </a:xfrm>
+          <a:prstGeom prst="rect">
+            <a:avLst/>
+          </a:prstGeom>
+          <a:noFill/>
+        </p:spPr>
+        <p:txBody>
+          <a:bodyPr wrap="square" rtlCol="0">
+            <a:spAutoFit/>
+          </a:bodyPr>
+          <a:lstStyle/>
+          <a:p>
+            <a:pPr marL="285750" indent="-285750">
+              <a:buFont typeface="Arial" panose="020B0604020202020204" pitchFamily="34" charset="0"/>
+              <a:buChar char="•"/>
+            </a:pPr>
+            <a:r>
+              <a:rPr lang="da-DK" sz="2800" dirty="0">
+                <a:latin typeface="Times New Roman" panose="02020603050405020304" pitchFamily="18" charset="0"/>
+                <a:cs typeface="Times New Roman" panose="02020603050405020304" pitchFamily="18" charset="0"/>
+              </a:rPr>
+              <a:t>Fit </a:t>
+            </a:r>
+            <a:r>
+              <a:rPr lang="da-DK" sz="2800" dirty="0" err="1">
+                <a:latin typeface="Times New Roman" panose="02020603050405020304" pitchFamily="18" charset="0"/>
+                <a:cs typeface="Times New Roman" panose="02020603050405020304" pitchFamily="18" charset="0"/>
+              </a:rPr>
+              <a:t>noisy</a:t>
+            </a:r>
+            <a:r>
+              <a:rPr lang="da-DK" sz="2800" dirty="0">
+                <a:latin typeface="Times New Roman" panose="02020603050405020304" pitchFamily="18" charset="0"/>
+                <a:cs typeface="Times New Roman" panose="02020603050405020304" pitchFamily="18" charset="0"/>
+              </a:rPr>
+              <a:t> data with Neural Network</a:t>
+            </a:r>
+          </a:p>
+          <a:p>
+            <a:pPr marL="285750" indent="-285750">
+              <a:buFont typeface="Arial" panose="020B0604020202020204" pitchFamily="34" charset="0"/>
+              <a:buChar char="•"/>
+            </a:pPr>
+            <a:r>
+              <a:rPr lang="da-DK" sz="2800" dirty="0">
+                <a:latin typeface="Times New Roman" panose="02020603050405020304" pitchFamily="18" charset="0"/>
+                <a:cs typeface="Times New Roman" panose="02020603050405020304" pitchFamily="18" charset="0"/>
+              </a:rPr>
+              <a:t>Overfitting</a:t>
+            </a:r>
+          </a:p>
+          <a:p>
+            <a:pPr marL="285750" indent="-285750">
+              <a:buFont typeface="Arial" panose="020B0604020202020204" pitchFamily="34" charset="0"/>
+              <a:buChar char="•"/>
+            </a:pPr>
+            <a:r>
+              <a:rPr lang="da-DK" sz="2800" dirty="0" err="1">
+                <a:latin typeface="Times New Roman" panose="02020603050405020304" pitchFamily="18" charset="0"/>
+                <a:cs typeface="Times New Roman" panose="02020603050405020304" pitchFamily="18" charset="0"/>
+              </a:rPr>
+              <a:t>Reproducibility</a:t>
+            </a:r>
+            <a:r>
+              <a:rPr lang="da-DK" sz="2800" dirty="0">
+                <a:latin typeface="Times New Roman" panose="02020603050405020304" pitchFamily="18" charset="0"/>
+                <a:cs typeface="Times New Roman" panose="02020603050405020304" pitchFamily="18" charset="0"/>
+              </a:rPr>
+              <a:t> </a:t>
+            </a:r>
+            <a:r>
+              <a:rPr lang="da-DK" sz="2800" dirty="0">
+                <a:latin typeface="Times New Roman" panose="02020603050405020304" pitchFamily="18" charset="0"/>
+                <a:cs typeface="Times New Roman" panose="02020603050405020304" pitchFamily="18" charset="0"/>
+                <a:sym typeface="Wingdings" panose="05000000000000000000" pitchFamily="2" charset="2"/>
+              </a:rPr>
+              <a:t> No </a:t>
+            </a:r>
+            <a:r>
+              <a:rPr lang="da-DK" sz="2800" dirty="0" err="1">
+                <a:latin typeface="Times New Roman" panose="02020603050405020304" pitchFamily="18" charset="0"/>
+                <a:cs typeface="Times New Roman" panose="02020603050405020304" pitchFamily="18" charset="0"/>
+                <a:sym typeface="Wingdings" panose="05000000000000000000" pitchFamily="2" charset="2"/>
+              </a:rPr>
+              <a:t>closed</a:t>
+            </a:r>
+            <a:r>
+              <a:rPr lang="da-DK" sz="2800" dirty="0">
+                <a:latin typeface="Times New Roman" panose="02020603050405020304" pitchFamily="18" charset="0"/>
+                <a:cs typeface="Times New Roman" panose="02020603050405020304" pitchFamily="18" charset="0"/>
+                <a:sym typeface="Wingdings" panose="05000000000000000000" pitchFamily="2" charset="2"/>
+              </a:rPr>
+              <a:t> form</a:t>
+            </a:r>
+          </a:p>
+          <a:p>
+            <a:pPr marL="285750" indent="-285750">
+              <a:buFont typeface="Arial" panose="020B0604020202020204" pitchFamily="34" charset="0"/>
+              <a:buChar char="•"/>
+            </a:pPr>
+            <a:r>
+              <a:rPr lang="da-DK" sz="2800" dirty="0" err="1">
+                <a:latin typeface="Times New Roman" panose="02020603050405020304" pitchFamily="18" charset="0"/>
+                <a:cs typeface="Times New Roman" panose="02020603050405020304" pitchFamily="18" charset="0"/>
+                <a:sym typeface="Wingdings" panose="05000000000000000000" pitchFamily="2" charset="2"/>
+              </a:rPr>
+              <a:t>Uncertainties</a:t>
+            </a:r>
+            <a:r>
+              <a:rPr lang="da-DK" sz="2800" dirty="0">
+                <a:latin typeface="Times New Roman" panose="02020603050405020304" pitchFamily="18" charset="0"/>
+                <a:cs typeface="Times New Roman" panose="02020603050405020304" pitchFamily="18" charset="0"/>
+                <a:sym typeface="Wingdings" panose="05000000000000000000" pitchFamily="2" charset="2"/>
+              </a:rPr>
+              <a:t>?  </a:t>
+            </a:r>
+            <a:r>
+              <a:rPr lang="da-DK" sz="2800" dirty="0" err="1">
+                <a:latin typeface="Times New Roman" panose="02020603050405020304" pitchFamily="18" charset="0"/>
+                <a:cs typeface="Times New Roman" panose="02020603050405020304" pitchFamily="18" charset="0"/>
+                <a:sym typeface="Wingdings" panose="05000000000000000000" pitchFamily="2" charset="2"/>
+              </a:rPr>
+              <a:t>Gaussian</a:t>
+            </a:r>
+            <a:r>
+              <a:rPr lang="da-DK" sz="2800" dirty="0">
+                <a:latin typeface="Times New Roman" panose="02020603050405020304" pitchFamily="18" charset="0"/>
+                <a:cs typeface="Times New Roman" panose="02020603050405020304" pitchFamily="18" charset="0"/>
+                <a:sym typeface="Wingdings" panose="05000000000000000000" pitchFamily="2" charset="2"/>
+              </a:rPr>
+              <a:t> </a:t>
+            </a:r>
+            <a:r>
+              <a:rPr lang="da-DK" sz="2800" dirty="0" err="1">
+                <a:latin typeface="Times New Roman" panose="02020603050405020304" pitchFamily="18" charset="0"/>
+                <a:cs typeface="Times New Roman" panose="02020603050405020304" pitchFamily="18" charset="0"/>
+                <a:sym typeface="Wingdings" panose="05000000000000000000" pitchFamily="2" charset="2"/>
+              </a:rPr>
+              <a:t>Process</a:t>
+            </a:r>
+            <a:r>
+              <a:rPr lang="da-DK" sz="2800" dirty="0">
+                <a:latin typeface="Times New Roman" panose="02020603050405020304" pitchFamily="18" charset="0"/>
+                <a:cs typeface="Times New Roman" panose="02020603050405020304" pitchFamily="18" charset="0"/>
+                <a:sym typeface="Wingdings" panose="05000000000000000000" pitchFamily="2" charset="2"/>
+              </a:rPr>
+              <a:t> Regression</a:t>
+            </a:r>
+            <a:endParaRPr lang="da-DK" sz="2800" dirty="0">
+              <a:latin typeface="Times New Roman" panose="02020603050405020304" pitchFamily="18" charset="0"/>
+              <a:cs typeface="Times New Roman" panose="02020603050405020304" pitchFamily="18" charset="0"/>
+            </a:endParaRPr>
+          </a:p>
+        </p:txBody>
+      </p:sp>
+    </p:spTree>
+    <p:extLst>
+      <p:ext uri="{BB962C8B-B14F-4D97-AF65-F5344CB8AC3E}">
+        <p14:creationId xmlns:p14="http://schemas.microsoft.com/office/powerpoint/2010/main" val="1539140151"/>
+      </p:ext>
+    </p:extLst>
+  </p:cSld>
+  <p:clrMapOvr>
+    <a:masterClrMapping/>
+  </p:clrMapOvr>
+</p:sld>
+</file>
+
+<file path=ppt/slides/slide14.xml><?xml version="1.0" encoding="utf-8"?>
+<p:sld xmlns:a="http://schemas.openxmlformats.org/drawingml/2006/main" xmlns:r="http://schemas.openxmlformats.org/officeDocument/2006/relationships" xmlns:p="http://schemas.openxmlformats.org/presentationml/2006/main">
+  <p:cSld>
+    <p:spTree>
+      <p:nvGrpSpPr>
+        <p:cNvPr id="1" name=""/>
+        <p:cNvGrpSpPr/>
+        <p:nvPr/>
+      </p:nvGrpSpPr>
+      <p:grpSpPr>
+        <a:xfrm>
+          <a:off x="0" y="0"/>
+          <a:ext cx="0" cy="0"/>
+          <a:chOff x="0" y="0"/>
+          <a:chExt cx="0" cy="0"/>
+        </a:xfrm>
+      </p:grpSpPr>
+      <p:sp>
+        <p:nvSpPr>
+          <p:cNvPr id="2" name="Titel 1">
+            <a:extLst>
+              <a:ext uri="{FF2B5EF4-FFF2-40B4-BE49-F238E27FC236}">
+                <a16:creationId xmlns:a16="http://schemas.microsoft.com/office/drawing/2014/main" id="{E68C3DD4-1BE5-A939-81BF-4D901B31905E}"/>
+              </a:ext>
+            </a:extLst>
+          </p:cNvPr>
+          <p:cNvSpPr>
+            <a:spLocks noGrp="1"/>
+          </p:cNvSpPr>
+          <p:nvPr>
+            <p:ph type="title"/>
+          </p:nvPr>
+        </p:nvSpPr>
+        <p:spPr/>
+        <p:txBody>
+          <a:bodyPr/>
+          <a:lstStyle/>
+          <a:p>
+            <a:r>
+              <a:rPr lang="da-DK" dirty="0" err="1">
+                <a:latin typeface="Times New Roman" panose="02020603050405020304" pitchFamily="18" charset="0"/>
+                <a:cs typeface="Times New Roman" panose="02020603050405020304" pitchFamily="18" charset="0"/>
+              </a:rPr>
+              <a:t>Exercise</a:t>
+            </a:r>
+            <a:r>
+              <a:rPr lang="da-DK" dirty="0">
+                <a:latin typeface="Times New Roman" panose="02020603050405020304" pitchFamily="18" charset="0"/>
+                <a:cs typeface="Times New Roman" panose="02020603050405020304" pitchFamily="18" charset="0"/>
+              </a:rPr>
+              <a:t> 53</a:t>
+            </a:r>
+          </a:p>
+        </p:txBody>
+      </p:sp>
+      <p:sp>
+        <p:nvSpPr>
+          <p:cNvPr id="3" name="Pladsholder til indhold 2">
+            <a:extLst>
+              <a:ext uri="{FF2B5EF4-FFF2-40B4-BE49-F238E27FC236}">
+                <a16:creationId xmlns:a16="http://schemas.microsoft.com/office/drawing/2014/main" id="{E1D8A23F-E855-5008-9125-032B080F92F9}"/>
+              </a:ext>
+            </a:extLst>
+          </p:cNvPr>
+          <p:cNvSpPr>
+            <a:spLocks noGrp="1"/>
+          </p:cNvSpPr>
+          <p:nvPr>
+            <p:ph idx="1"/>
+          </p:nvPr>
+        </p:nvSpPr>
+        <p:spPr>
+          <a:xfrm>
+            <a:off x="530191" y="1565743"/>
+            <a:ext cx="10515600" cy="4351338"/>
+          </a:xfrm>
+        </p:spPr>
+        <p:txBody>
+          <a:bodyPr/>
+          <a:lstStyle/>
+          <a:p>
+            <a:r>
+              <a:rPr lang="da-DK" dirty="0">
+                <a:latin typeface="Times New Roman" panose="02020603050405020304" pitchFamily="18" charset="0"/>
+                <a:cs typeface="Times New Roman" panose="02020603050405020304" pitchFamily="18" charset="0"/>
+              </a:rPr>
+              <a:t>Try and fit </a:t>
+            </a:r>
+            <a:r>
+              <a:rPr lang="da-DK" dirty="0" err="1">
+                <a:latin typeface="Times New Roman" panose="02020603050405020304" pitchFamily="18" charset="0"/>
+                <a:cs typeface="Times New Roman" panose="02020603050405020304" pitchFamily="18" charset="0"/>
+              </a:rPr>
+              <a:t>again</a:t>
+            </a:r>
+            <a:endParaRPr lang="da-DK" dirty="0">
+              <a:latin typeface="Times New Roman" panose="02020603050405020304" pitchFamily="18" charset="0"/>
+              <a:cs typeface="Times New Roman" panose="02020603050405020304" pitchFamily="18" charset="0"/>
+            </a:endParaRPr>
+          </a:p>
+          <a:p>
+            <a:r>
+              <a:rPr lang="da-DK" dirty="0">
+                <a:latin typeface="Times New Roman" panose="02020603050405020304" pitchFamily="18" charset="0"/>
+                <a:cs typeface="Times New Roman" panose="02020603050405020304" pitchFamily="18" charset="0"/>
+              </a:rPr>
+              <a:t>Combat overfitting</a:t>
+            </a:r>
+          </a:p>
+          <a:p>
+            <a:pPr lvl="1"/>
+            <a:r>
+              <a:rPr lang="da-DK" dirty="0" err="1">
+                <a:latin typeface="Times New Roman" panose="02020603050405020304" pitchFamily="18" charset="0"/>
+                <a:cs typeface="Times New Roman" panose="02020603050405020304" pitchFamily="18" charset="0"/>
+              </a:rPr>
+              <a:t>Regularization</a:t>
+            </a:r>
+            <a:r>
+              <a:rPr lang="da-DK" dirty="0">
+                <a:latin typeface="Times New Roman" panose="02020603050405020304" pitchFamily="18" charset="0"/>
+                <a:cs typeface="Times New Roman" panose="02020603050405020304" pitchFamily="18" charset="0"/>
+              </a:rPr>
+              <a:t> term</a:t>
+            </a:r>
+          </a:p>
+          <a:p>
+            <a:pPr lvl="1"/>
+            <a:r>
+              <a:rPr lang="da-DK" dirty="0" err="1">
+                <a:latin typeface="Times New Roman" panose="02020603050405020304" pitchFamily="18" charset="0"/>
+                <a:cs typeface="Times New Roman" panose="02020603050405020304" pitchFamily="18" charset="0"/>
+              </a:rPr>
+              <a:t>Early</a:t>
+            </a:r>
+            <a:r>
+              <a:rPr lang="da-DK" dirty="0">
+                <a:latin typeface="Times New Roman" panose="02020603050405020304" pitchFamily="18" charset="0"/>
+                <a:cs typeface="Times New Roman" panose="02020603050405020304" pitchFamily="18" charset="0"/>
+              </a:rPr>
+              <a:t> stopping</a:t>
+            </a:r>
+          </a:p>
+          <a:p>
+            <a:pPr lvl="1"/>
+            <a:r>
+              <a:rPr lang="da-DK" dirty="0" err="1">
+                <a:latin typeface="Times New Roman" panose="02020603050405020304" pitchFamily="18" charset="0"/>
+                <a:cs typeface="Times New Roman" panose="02020603050405020304" pitchFamily="18" charset="0"/>
+              </a:rPr>
+              <a:t>Many</a:t>
+            </a:r>
+            <a:r>
+              <a:rPr lang="da-DK" dirty="0">
+                <a:latin typeface="Times New Roman" panose="02020603050405020304" pitchFamily="18" charset="0"/>
+                <a:cs typeface="Times New Roman" panose="02020603050405020304" pitchFamily="18" charset="0"/>
+              </a:rPr>
+              <a:t> </a:t>
+            </a:r>
+            <a:r>
+              <a:rPr lang="da-DK" dirty="0" err="1">
+                <a:latin typeface="Times New Roman" panose="02020603050405020304" pitchFamily="18" charset="0"/>
+                <a:cs typeface="Times New Roman" panose="02020603050405020304" pitchFamily="18" charset="0"/>
+              </a:rPr>
+              <a:t>methods</a:t>
+            </a:r>
+            <a:endParaRPr lang="da-DK" dirty="0">
+              <a:latin typeface="Times New Roman" panose="02020603050405020304" pitchFamily="18" charset="0"/>
+              <a:cs typeface="Times New Roman" panose="02020603050405020304" pitchFamily="18" charset="0"/>
+            </a:endParaRPr>
+          </a:p>
+        </p:txBody>
+      </p:sp>
+      <p:pic>
+        <p:nvPicPr>
+          <p:cNvPr id="5" name="Grafik 4">
+            <a:extLst>
+              <a:ext uri="{FF2B5EF4-FFF2-40B4-BE49-F238E27FC236}">
+                <a16:creationId xmlns:a16="http://schemas.microsoft.com/office/drawing/2014/main" id="{654A32D0-C82B-4303-82A9-DCAE39477F98}"/>
+              </a:ext>
+            </a:extLst>
+          </p:cNvPr>
+          <p:cNvPicPr>
+            <a:picLocks noChangeAspect="1"/>
+          </p:cNvPicPr>
+          <p:nvPr/>
+        </p:nvPicPr>
+        <p:blipFill>
+          <a:blip r:embed="rId2">
+            <a:extLst>
+              <a:ext uri="{96DAC541-7B7A-43D3-8B79-37D633B846F1}">
+                <asvg:svgBlip xmlns:asvg="http://schemas.microsoft.com/office/drawing/2016/SVG/main" r:embed="rId3"/>
+              </a:ext>
+            </a:extLst>
+          </a:blip>
+          <a:stretch>
+            <a:fillRect/>
+          </a:stretch>
+        </p:blipFill>
+        <p:spPr>
+          <a:xfrm>
+            <a:off x="2926080" y="3883019"/>
+            <a:ext cx="9160042" cy="2818475"/>
+          </a:xfrm>
+          <a:prstGeom prst="rect">
+            <a:avLst/>
+          </a:prstGeom>
+        </p:spPr>
+      </p:pic>
+    </p:spTree>
+    <p:extLst>
+      <p:ext uri="{BB962C8B-B14F-4D97-AF65-F5344CB8AC3E}">
+        <p14:creationId xmlns:p14="http://schemas.microsoft.com/office/powerpoint/2010/main" val="1761050964"/>
+      </p:ext>
+    </p:extLst>
+  </p:cSld>
+  <p:clrMapOvr>
+    <a:masterClrMapping/>
+  </p:clrMapOvr>
+</p:sld>
+</file>
+
+<file path=ppt/slides/slide15.xml><?xml version="1.0" encoding="utf-8"?>
+<p:sld xmlns:a="http://schemas.openxmlformats.org/drawingml/2006/main" xmlns:r="http://schemas.openxmlformats.org/officeDocument/2006/relationships" xmlns:p="http://schemas.openxmlformats.org/presentationml/2006/main">
+  <p:cSld>
+    <p:spTree>
+      <p:nvGrpSpPr>
+        <p:cNvPr id="1" name=""/>
+        <p:cNvGrpSpPr/>
+        <p:nvPr/>
+      </p:nvGrpSpPr>
+      <p:grpSpPr>
+        <a:xfrm>
+          <a:off x="0" y="0"/>
+          <a:ext cx="0" cy="0"/>
+          <a:chOff x="0" y="0"/>
+          <a:chExt cx="0" cy="0"/>
+        </a:xfrm>
+      </p:grpSpPr>
+      <p:sp>
+        <p:nvSpPr>
+          <p:cNvPr id="2" name="Titel 1">
+            <a:extLst>
+              <a:ext uri="{FF2B5EF4-FFF2-40B4-BE49-F238E27FC236}">
+                <a16:creationId xmlns:a16="http://schemas.microsoft.com/office/drawing/2014/main" id="{63C58288-EE71-6569-F980-219F555A755C}"/>
+              </a:ext>
+            </a:extLst>
+          </p:cNvPr>
+          <p:cNvSpPr>
+            <a:spLocks noGrp="1"/>
+          </p:cNvSpPr>
+          <p:nvPr>
+            <p:ph type="title"/>
+          </p:nvPr>
+        </p:nvSpPr>
+        <p:spPr/>
+        <p:txBody>
+          <a:bodyPr/>
+          <a:lstStyle/>
+          <a:p>
+            <a:r>
+              <a:rPr lang="da-DK" dirty="0" err="1"/>
+              <a:t>Exercise</a:t>
+            </a:r>
+            <a:r>
+              <a:rPr lang="da-DK" dirty="0"/>
+              <a:t> 53</a:t>
+            </a:r>
+          </a:p>
+        </p:txBody>
+      </p:sp>
+      <p:pic>
+        <p:nvPicPr>
+          <p:cNvPr id="5" name="Pladsholder til indhold 4">
+            <a:extLst>
+              <a:ext uri="{FF2B5EF4-FFF2-40B4-BE49-F238E27FC236}">
+                <a16:creationId xmlns:a16="http://schemas.microsoft.com/office/drawing/2014/main" id="{E599A626-6745-8726-A218-E7436FD4BAA2}"/>
+              </a:ext>
+            </a:extLst>
+          </p:cNvPr>
+          <p:cNvPicPr>
+            <a:picLocks noGrp="1" noChangeAspect="1"/>
+          </p:cNvPicPr>
+          <p:nvPr>
+            <p:ph idx="1"/>
+          </p:nvPr>
+        </p:nvPicPr>
+        <p:blipFill>
+          <a:blip r:embed="rId2">
+            <a:extLst>
+              <a:ext uri="{96DAC541-7B7A-43D3-8B79-37D633B846F1}">
+                <asvg:svgBlip xmlns:asvg="http://schemas.microsoft.com/office/drawing/2016/SVG/main" r:embed="rId3"/>
+              </a:ext>
+            </a:extLst>
+          </a:blip>
+          <a:stretch>
+            <a:fillRect/>
+          </a:stretch>
+        </p:blipFill>
+        <p:spPr>
+          <a:xfrm>
+            <a:off x="117240" y="1601163"/>
+            <a:ext cx="11957519" cy="4891712"/>
+          </a:xfrm>
+        </p:spPr>
+      </p:pic>
+    </p:spTree>
+    <p:extLst>
+      <p:ext uri="{BB962C8B-B14F-4D97-AF65-F5344CB8AC3E}">
+        <p14:creationId xmlns:p14="http://schemas.microsoft.com/office/powerpoint/2010/main" val="1167887817"/>
+      </p:ext>
+    </p:extLst>
+  </p:cSld>
+  <p:clrMapOvr>
+    <a:masterClrMapping/>
+  </p:clrMapOvr>
+</p:sld>
+</file>
+
+<file path=ppt/slides/slide2.xml><?xml version="1.0" encoding="utf-8"?>
+<p:sld xmlns:a="http://schemas.openxmlformats.org/drawingml/2006/main" xmlns:r="http://schemas.openxmlformats.org/officeDocument/2006/relationships" xmlns:p="http://schemas.openxmlformats.org/presentationml/2006/main">
+  <p:cSld>
+    <p:spTree>
+      <p:nvGrpSpPr>
+        <p:cNvPr id="1" name=""/>
+        <p:cNvGrpSpPr/>
+        <p:nvPr/>
+      </p:nvGrpSpPr>
+      <p:grpSpPr>
+        <a:xfrm>
+          <a:off x="0" y="0"/>
+          <a:ext cx="0" cy="0"/>
+          <a:chOff x="0" y="0"/>
+          <a:chExt cx="0" cy="0"/>
+        </a:xfrm>
+      </p:grpSpPr>
+      <p:sp>
+        <p:nvSpPr>
+          <p:cNvPr id="2" name="Titel 1">
+            <a:extLst>
+              <a:ext uri="{FF2B5EF4-FFF2-40B4-BE49-F238E27FC236}">
+                <a16:creationId xmlns:a16="http://schemas.microsoft.com/office/drawing/2014/main" id="{7B319808-5918-A431-8DE2-29565BCFDC2D}"/>
+              </a:ext>
+            </a:extLst>
+          </p:cNvPr>
+          <p:cNvSpPr>
+            <a:spLocks noGrp="1"/>
+          </p:cNvSpPr>
+          <p:nvPr>
+            <p:ph type="title"/>
+          </p:nvPr>
+        </p:nvSpPr>
+        <p:spPr/>
+        <p:txBody>
+          <a:bodyPr/>
+          <a:lstStyle/>
+          <a:p>
+            <a:r>
+              <a:rPr lang="da-DK" dirty="0" err="1">
+                <a:latin typeface="Times New Roman" panose="02020603050405020304" pitchFamily="18" charset="0"/>
+                <a:cs typeface="Times New Roman" panose="02020603050405020304" pitchFamily="18" charset="0"/>
+              </a:rPr>
+              <a:t>Outline</a:t>
+            </a:r>
+            <a:endParaRPr lang="da-DK" dirty="0">
+              <a:latin typeface="Times New Roman" panose="02020603050405020304" pitchFamily="18" charset="0"/>
+              <a:cs typeface="Times New Roman" panose="02020603050405020304" pitchFamily="18" charset="0"/>
+            </a:endParaRPr>
+          </a:p>
+        </p:txBody>
+      </p:sp>
+      <p:sp>
+        <p:nvSpPr>
+          <p:cNvPr id="3" name="Pladsholder til indhold 2">
+            <a:extLst>
+              <a:ext uri="{FF2B5EF4-FFF2-40B4-BE49-F238E27FC236}">
+                <a16:creationId xmlns:a16="http://schemas.microsoft.com/office/drawing/2014/main" id="{AB822D0D-882A-EDAD-DDB8-75E29F0BF7F2}"/>
+              </a:ext>
+            </a:extLst>
+          </p:cNvPr>
+          <p:cNvSpPr>
+            <a:spLocks noGrp="1"/>
+          </p:cNvSpPr>
+          <p:nvPr>
+            <p:ph idx="1"/>
+          </p:nvPr>
+        </p:nvSpPr>
+        <p:spPr/>
+        <p:txBody>
+          <a:bodyPr/>
+          <a:lstStyle/>
+          <a:p>
+            <a:r>
+              <a:rPr lang="da-DK" dirty="0" err="1">
+                <a:latin typeface="Times New Roman" panose="02020603050405020304" pitchFamily="18" charset="0"/>
+                <a:cs typeface="Times New Roman" panose="02020603050405020304" pitchFamily="18" charset="0"/>
+              </a:rPr>
+              <a:t>What</a:t>
+            </a:r>
+            <a:r>
+              <a:rPr lang="da-DK" dirty="0">
+                <a:latin typeface="Times New Roman" panose="02020603050405020304" pitchFamily="18" charset="0"/>
+                <a:cs typeface="Times New Roman" panose="02020603050405020304" pitchFamily="18" charset="0"/>
+              </a:rPr>
+              <a:t> is regression?/Motivation</a:t>
+            </a:r>
+          </a:p>
+          <a:p>
+            <a:r>
+              <a:rPr lang="da-DK" dirty="0" err="1">
+                <a:latin typeface="Times New Roman" panose="02020603050405020304" pitchFamily="18" charset="0"/>
+                <a:cs typeface="Times New Roman" panose="02020603050405020304" pitchFamily="18" charset="0"/>
+              </a:rPr>
+              <a:t>Parametric</a:t>
+            </a:r>
+            <a:r>
+              <a:rPr lang="da-DK" dirty="0">
+                <a:latin typeface="Times New Roman" panose="02020603050405020304" pitchFamily="18" charset="0"/>
+                <a:cs typeface="Times New Roman" panose="02020603050405020304" pitchFamily="18" charset="0"/>
+              </a:rPr>
+              <a:t> regression</a:t>
+            </a:r>
+          </a:p>
+          <a:p>
+            <a:pPr lvl="1"/>
+            <a:r>
+              <a:rPr lang="da-DK" dirty="0" err="1">
+                <a:latin typeface="Times New Roman" panose="02020603050405020304" pitchFamily="18" charset="0"/>
+                <a:cs typeface="Times New Roman" panose="02020603050405020304" pitchFamily="18" charset="0"/>
+              </a:rPr>
+              <a:t>Ordinary</a:t>
+            </a:r>
+            <a:r>
+              <a:rPr lang="da-DK" dirty="0">
+                <a:latin typeface="Times New Roman" panose="02020603050405020304" pitchFamily="18" charset="0"/>
+                <a:cs typeface="Times New Roman" panose="02020603050405020304" pitchFamily="18" charset="0"/>
+              </a:rPr>
+              <a:t> </a:t>
+            </a:r>
+            <a:r>
+              <a:rPr lang="da-DK" dirty="0" err="1">
+                <a:latin typeface="Times New Roman" panose="02020603050405020304" pitchFamily="18" charset="0"/>
+                <a:cs typeface="Times New Roman" panose="02020603050405020304" pitchFamily="18" charset="0"/>
+              </a:rPr>
+              <a:t>Least</a:t>
+            </a:r>
+            <a:r>
+              <a:rPr lang="da-DK" dirty="0">
+                <a:latin typeface="Times New Roman" panose="02020603050405020304" pitchFamily="18" charset="0"/>
+                <a:cs typeface="Times New Roman" panose="02020603050405020304" pitchFamily="18" charset="0"/>
+              </a:rPr>
+              <a:t> Squares (OLS) Regression</a:t>
+            </a:r>
+          </a:p>
+          <a:p>
+            <a:pPr lvl="1"/>
+            <a:r>
+              <a:rPr lang="da-DK" dirty="0" err="1">
+                <a:latin typeface="Times New Roman" panose="02020603050405020304" pitchFamily="18" charset="0"/>
+                <a:cs typeface="Times New Roman" panose="02020603050405020304" pitchFamily="18" charset="0"/>
+              </a:rPr>
+              <a:t>Ridge</a:t>
+            </a:r>
+            <a:r>
+              <a:rPr lang="da-DK" dirty="0">
+                <a:latin typeface="Times New Roman" panose="02020603050405020304" pitchFamily="18" charset="0"/>
+                <a:cs typeface="Times New Roman" panose="02020603050405020304" pitchFamily="18" charset="0"/>
+              </a:rPr>
+              <a:t> Regression</a:t>
+            </a:r>
+          </a:p>
+          <a:p>
+            <a:pPr lvl="1"/>
+            <a:r>
+              <a:rPr lang="da-DK" dirty="0" err="1">
+                <a:latin typeface="Times New Roman" panose="02020603050405020304" pitchFamily="18" charset="0"/>
+                <a:cs typeface="Times New Roman" panose="02020603050405020304" pitchFamily="18" charset="0"/>
+              </a:rPr>
+              <a:t>Kernel</a:t>
+            </a:r>
+            <a:r>
+              <a:rPr lang="da-DK" dirty="0">
+                <a:latin typeface="Times New Roman" panose="02020603050405020304" pitchFamily="18" charset="0"/>
+                <a:cs typeface="Times New Roman" panose="02020603050405020304" pitchFamily="18" charset="0"/>
+              </a:rPr>
+              <a:t> </a:t>
+            </a:r>
+            <a:r>
+              <a:rPr lang="da-DK" dirty="0" err="1">
+                <a:latin typeface="Times New Roman" panose="02020603050405020304" pitchFamily="18" charset="0"/>
+                <a:cs typeface="Times New Roman" panose="02020603050405020304" pitchFamily="18" charset="0"/>
+              </a:rPr>
+              <a:t>Ridge</a:t>
+            </a:r>
+            <a:r>
+              <a:rPr lang="da-DK" dirty="0">
+                <a:latin typeface="Times New Roman" panose="02020603050405020304" pitchFamily="18" charset="0"/>
+                <a:cs typeface="Times New Roman" panose="02020603050405020304" pitchFamily="18" charset="0"/>
+              </a:rPr>
+              <a:t> Regression</a:t>
+            </a:r>
+          </a:p>
+          <a:p>
+            <a:r>
+              <a:rPr lang="da-DK" dirty="0" err="1">
+                <a:latin typeface="Times New Roman" panose="02020603050405020304" pitchFamily="18" charset="0"/>
+                <a:cs typeface="Times New Roman" panose="02020603050405020304" pitchFamily="18" charset="0"/>
+                <a:sym typeface="Wingdings" panose="05000000000000000000" pitchFamily="2" charset="2"/>
+              </a:rPr>
+              <a:t>Exercises</a:t>
+            </a:r>
+            <a:r>
+              <a:rPr lang="da-DK" dirty="0">
+                <a:latin typeface="Times New Roman" panose="02020603050405020304" pitchFamily="18" charset="0"/>
+                <a:cs typeface="Times New Roman" panose="02020603050405020304" pitchFamily="18" charset="0"/>
+                <a:sym typeface="Wingdings" panose="05000000000000000000" pitchFamily="2" charset="2"/>
+              </a:rPr>
+              <a:t> to </a:t>
+            </a:r>
+            <a:r>
+              <a:rPr lang="da-DK" dirty="0" err="1">
+                <a:latin typeface="Times New Roman" panose="02020603050405020304" pitchFamily="18" charset="0"/>
+                <a:cs typeface="Times New Roman" panose="02020603050405020304" pitchFamily="18" charset="0"/>
+                <a:sym typeface="Wingdings" panose="05000000000000000000" pitchFamily="2" charset="2"/>
+              </a:rPr>
+              <a:t>illustrate</a:t>
+            </a:r>
+            <a:r>
+              <a:rPr lang="da-DK" dirty="0">
+                <a:latin typeface="Times New Roman" panose="02020603050405020304" pitchFamily="18" charset="0"/>
+                <a:cs typeface="Times New Roman" panose="02020603050405020304" pitchFamily="18" charset="0"/>
+                <a:sym typeface="Wingdings" panose="05000000000000000000" pitchFamily="2" charset="2"/>
+              </a:rPr>
+              <a:t> points</a:t>
+            </a:r>
+          </a:p>
+          <a:p>
+            <a:pPr lvl="1"/>
+            <a:r>
+              <a:rPr lang="da-DK" dirty="0" err="1">
+                <a:latin typeface="Times New Roman" panose="02020603050405020304" pitchFamily="18" charset="0"/>
+                <a:cs typeface="Times New Roman" panose="02020603050405020304" pitchFamily="18" charset="0"/>
+                <a:sym typeface="Wingdings" panose="05000000000000000000" pitchFamily="2" charset="2"/>
+              </a:rPr>
+              <a:t>Benefits</a:t>
+            </a:r>
+            <a:r>
+              <a:rPr lang="da-DK" dirty="0">
+                <a:latin typeface="Times New Roman" panose="02020603050405020304" pitchFamily="18" charset="0"/>
+                <a:cs typeface="Times New Roman" panose="02020603050405020304" pitchFamily="18" charset="0"/>
+                <a:sym typeface="Wingdings" panose="05000000000000000000" pitchFamily="2" charset="2"/>
+              </a:rPr>
+              <a:t>/</a:t>
+            </a:r>
+            <a:r>
+              <a:rPr lang="da-DK" dirty="0" err="1">
+                <a:latin typeface="Times New Roman" panose="02020603050405020304" pitchFamily="18" charset="0"/>
+                <a:cs typeface="Times New Roman" panose="02020603050405020304" pitchFamily="18" charset="0"/>
+                <a:sym typeface="Wingdings" panose="05000000000000000000" pitchFamily="2" charset="2"/>
+              </a:rPr>
+              <a:t>disadvantages</a:t>
+            </a:r>
+            <a:endParaRPr lang="da-DK" dirty="0">
+              <a:latin typeface="Times New Roman" panose="02020603050405020304" pitchFamily="18" charset="0"/>
+              <a:cs typeface="Times New Roman" panose="02020603050405020304" pitchFamily="18" charset="0"/>
+              <a:sym typeface="Wingdings" panose="05000000000000000000" pitchFamily="2" charset="2"/>
+            </a:endParaRPr>
+          </a:p>
+          <a:p>
+            <a:r>
+              <a:rPr lang="da-DK" dirty="0" err="1">
+                <a:latin typeface="Times New Roman" panose="02020603050405020304" pitchFamily="18" charset="0"/>
+                <a:cs typeface="Times New Roman" panose="02020603050405020304" pitchFamily="18" charset="0"/>
+                <a:sym typeface="Wingdings" panose="05000000000000000000" pitchFamily="2" charset="2"/>
+              </a:rPr>
+              <a:t>Exercises</a:t>
+            </a:r>
+            <a:r>
+              <a:rPr lang="da-DK" dirty="0">
+                <a:latin typeface="Times New Roman" panose="02020603050405020304" pitchFamily="18" charset="0"/>
+                <a:cs typeface="Times New Roman" panose="02020603050405020304" pitchFamily="18" charset="0"/>
+                <a:sym typeface="Wingdings" panose="05000000000000000000" pitchFamily="2" charset="2"/>
+              </a:rPr>
+              <a:t>: Using Neural Networks for regression</a:t>
+            </a:r>
+          </a:p>
+          <a:p>
+            <a:endParaRPr lang="da-DK" dirty="0">
+              <a:latin typeface="Times New Roman" panose="02020603050405020304" pitchFamily="18" charset="0"/>
+              <a:cs typeface="Times New Roman" panose="02020603050405020304" pitchFamily="18" charset="0"/>
+              <a:sym typeface="Wingdings" panose="05000000000000000000" pitchFamily="2" charset="2"/>
+            </a:endParaRPr>
+          </a:p>
+          <a:p>
+            <a:endParaRPr lang="da-DK" dirty="0">
+              <a:latin typeface="Times New Roman" panose="02020603050405020304" pitchFamily="18" charset="0"/>
+              <a:cs typeface="Times New Roman" panose="02020603050405020304" pitchFamily="18" charset="0"/>
+              <a:sym typeface="Wingdings" panose="05000000000000000000" pitchFamily="2" charset="2"/>
+            </a:endParaRPr>
+          </a:p>
+          <a:p>
+            <a:endParaRPr lang="da-DK" dirty="0">
+              <a:latin typeface="Times New Roman" panose="02020603050405020304" pitchFamily="18" charset="0"/>
+              <a:cs typeface="Times New Roman" panose="02020603050405020304" pitchFamily="18" charset="0"/>
+            </a:endParaRPr>
+          </a:p>
+          <a:p>
+            <a:endParaRPr lang="da-DK" dirty="0">
+              <a:latin typeface="Times New Roman" panose="02020603050405020304" pitchFamily="18" charset="0"/>
+              <a:cs typeface="Times New Roman" panose="02020603050405020304" pitchFamily="18" charset="0"/>
+            </a:endParaRPr>
+          </a:p>
+          <a:p>
+            <a:pPr lvl="1"/>
+            <a:endParaRPr lang="da-DK" dirty="0">
+              <a:latin typeface="Times New Roman" panose="02020603050405020304" pitchFamily="18" charset="0"/>
+              <a:cs typeface="Times New Roman" panose="02020603050405020304" pitchFamily="18" charset="0"/>
+            </a:endParaRPr>
+          </a:p>
+          <a:p>
+            <a:pPr lvl="1"/>
+            <a:endParaRPr lang="da-DK" dirty="0"/>
+          </a:p>
+        </p:txBody>
+      </p:sp>
+    </p:spTree>
+    <p:extLst>
+      <p:ext uri="{BB962C8B-B14F-4D97-AF65-F5344CB8AC3E}">
+        <p14:creationId xmlns:p14="http://schemas.microsoft.com/office/powerpoint/2010/main" val="603530606"/>
+      </p:ext>
+    </p:extLst>
+  </p:cSld>
+  <p:clrMapOvr>
+    <a:masterClrMapping/>
+  </p:clrMapOvr>
+</p:sld>
+</file>
+
+<file path=ppt/slides/slide3.xml><?xml version="1.0" encoding="utf-8"?>
+<p:sld xmlns:a="http://schemas.openxmlformats.org/drawingml/2006/main" xmlns:r="http://schemas.openxmlformats.org/officeDocument/2006/relationships" xmlns:p="http://schemas.openxmlformats.org/presentationml/2006/main">
+  <p:cSld>
+    <p:spTree>
+      <p:nvGrpSpPr>
+        <p:cNvPr id="1" name=""/>
+        <p:cNvGrpSpPr/>
+        <p:nvPr/>
+      </p:nvGrpSpPr>
+      <p:grpSpPr>
+        <a:xfrm>
+          <a:off x="0" y="0"/>
+          <a:ext cx="0" cy="0"/>
+          <a:chOff x="0" y="0"/>
+          <a:chExt cx="0" cy="0"/>
+        </a:xfrm>
+      </p:grpSpPr>
+      <p:sp>
+        <p:nvSpPr>
+          <p:cNvPr id="2" name="Titel 1">
+            <a:extLst>
+              <a:ext uri="{FF2B5EF4-FFF2-40B4-BE49-F238E27FC236}">
+                <a16:creationId xmlns:a16="http://schemas.microsoft.com/office/drawing/2014/main" id="{3F9ECD2F-403B-DC6A-7327-52A4C78D988B}"/>
+              </a:ext>
+            </a:extLst>
+          </p:cNvPr>
+          <p:cNvSpPr>
+            <a:spLocks noGrp="1"/>
+          </p:cNvSpPr>
+          <p:nvPr>
+            <p:ph type="title"/>
+          </p:nvPr>
+        </p:nvSpPr>
+        <p:spPr/>
+        <p:txBody>
+          <a:bodyPr/>
+          <a:lstStyle/>
+          <a:p>
+            <a:r>
+              <a:rPr lang="da-DK" dirty="0" err="1">
+                <a:latin typeface="Times New Roman" panose="02020603050405020304" pitchFamily="18" charset="0"/>
+                <a:cs typeface="Times New Roman" panose="02020603050405020304" pitchFamily="18" charset="0"/>
+              </a:rPr>
+              <a:t>Parametric</a:t>
+            </a:r>
+            <a:r>
+              <a:rPr lang="da-DK" dirty="0">
+                <a:latin typeface="Times New Roman" panose="02020603050405020304" pitchFamily="18" charset="0"/>
+                <a:cs typeface="Times New Roman" panose="02020603050405020304" pitchFamily="18" charset="0"/>
+              </a:rPr>
+              <a:t> Regression – OLS regression</a:t>
+            </a:r>
+          </a:p>
+        </p:txBody>
+      </p:sp>
+      <p:sp>
+        <p:nvSpPr>
+          <p:cNvPr id="3" name="Pladsholder til indhold 2">
+            <a:extLst>
+              <a:ext uri="{FF2B5EF4-FFF2-40B4-BE49-F238E27FC236}">
+                <a16:creationId xmlns:a16="http://schemas.microsoft.com/office/drawing/2014/main" id="{5B9C56F9-9DC8-9768-38DA-9B4248220825}"/>
+              </a:ext>
+            </a:extLst>
+          </p:cNvPr>
+          <p:cNvSpPr>
+            <a:spLocks noGrp="1"/>
+          </p:cNvSpPr>
+          <p:nvPr>
+            <p:ph idx="1"/>
+          </p:nvPr>
+        </p:nvSpPr>
+        <p:spPr/>
+        <p:txBody>
+          <a:bodyPr/>
+          <a:lstStyle/>
+          <a:p>
+            <a:r>
+              <a:rPr lang="da-DK" dirty="0">
+                <a:latin typeface="Times New Roman" panose="02020603050405020304" pitchFamily="18" charset="0"/>
+                <a:cs typeface="Times New Roman" panose="02020603050405020304" pitchFamily="18" charset="0"/>
+              </a:rPr>
+              <a:t>Derivation &amp; </a:t>
+            </a:r>
+            <a:r>
+              <a:rPr lang="da-DK" dirty="0" err="1">
+                <a:latin typeface="Times New Roman" panose="02020603050405020304" pitchFamily="18" charset="0"/>
+                <a:cs typeface="Times New Roman" panose="02020603050405020304" pitchFamily="18" charset="0"/>
+              </a:rPr>
+              <a:t>idea</a:t>
+            </a:r>
+            <a:endParaRPr lang="da-DK" dirty="0">
+              <a:latin typeface="Times New Roman" panose="02020603050405020304" pitchFamily="18" charset="0"/>
+              <a:cs typeface="Times New Roman" panose="02020603050405020304" pitchFamily="18" charset="0"/>
+            </a:endParaRPr>
+          </a:p>
+          <a:p>
+            <a:r>
+              <a:rPr lang="da-DK" dirty="0" err="1">
+                <a:latin typeface="Times New Roman" panose="02020603050405020304" pitchFamily="18" charset="0"/>
+                <a:cs typeface="Times New Roman" panose="02020603050405020304" pitchFamily="18" charset="0"/>
+              </a:rPr>
+              <a:t>Exercise</a:t>
+            </a:r>
+            <a:r>
+              <a:rPr lang="da-DK" dirty="0">
+                <a:latin typeface="Times New Roman" panose="02020603050405020304" pitchFamily="18" charset="0"/>
+                <a:cs typeface="Times New Roman" panose="02020603050405020304" pitchFamily="18" charset="0"/>
+              </a:rPr>
+              <a:t> 29</a:t>
+            </a:r>
+          </a:p>
+        </p:txBody>
+      </p:sp>
+    </p:spTree>
+    <p:extLst>
+      <p:ext uri="{BB962C8B-B14F-4D97-AF65-F5344CB8AC3E}">
+        <p14:creationId xmlns:p14="http://schemas.microsoft.com/office/powerpoint/2010/main" val="59586642"/>
+      </p:ext>
+    </p:extLst>
+  </p:cSld>
+  <p:clrMapOvr>
+    <a:masterClrMapping/>
+  </p:clrMapOvr>
+</p:sld>
+</file>
+
+<file path=ppt/slides/slide4.xml><?xml version="1.0" encoding="utf-8"?>
+<p:sld xmlns:a="http://schemas.openxmlformats.org/drawingml/2006/main" xmlns:r="http://schemas.openxmlformats.org/officeDocument/2006/relationships" xmlns:p="http://schemas.openxmlformats.org/presentationml/2006/main">
+  <p:cSld>
+    <p:spTree>
+      <p:nvGrpSpPr>
+        <p:cNvPr id="1" name=""/>
+        <p:cNvGrpSpPr/>
+        <p:nvPr/>
+      </p:nvGrpSpPr>
+      <p:grpSpPr>
+        <a:xfrm>
+          <a:off x="0" y="0"/>
+          <a:ext cx="0" cy="0"/>
+          <a:chOff x="0" y="0"/>
+          <a:chExt cx="0" cy="0"/>
+        </a:xfrm>
+      </p:grpSpPr>
+      <p:sp>
+        <p:nvSpPr>
+          <p:cNvPr id="2" name="Titel 1">
+            <a:extLst>
+              <a:ext uri="{FF2B5EF4-FFF2-40B4-BE49-F238E27FC236}">
+                <a16:creationId xmlns:a16="http://schemas.microsoft.com/office/drawing/2014/main" id="{B2A434D1-20D4-D744-3682-0474472021A4}"/>
+              </a:ext>
+            </a:extLst>
+          </p:cNvPr>
+          <p:cNvSpPr>
+            <a:spLocks noGrp="1"/>
+          </p:cNvSpPr>
+          <p:nvPr>
+            <p:ph type="title"/>
+          </p:nvPr>
+        </p:nvSpPr>
+        <p:spPr/>
+        <p:txBody>
+          <a:bodyPr/>
+          <a:lstStyle/>
+          <a:p>
+            <a:r>
+              <a:rPr lang="da-DK" dirty="0">
+                <a:latin typeface="Times New Roman" panose="02020603050405020304" pitchFamily="18" charset="0"/>
+                <a:cs typeface="Times New Roman" panose="02020603050405020304" pitchFamily="18" charset="0"/>
+              </a:rPr>
+              <a:t>OLS Regression – </a:t>
+            </a:r>
+            <a:r>
+              <a:rPr lang="da-DK" dirty="0" err="1">
+                <a:latin typeface="Times New Roman" panose="02020603050405020304" pitchFamily="18" charset="0"/>
+                <a:cs typeface="Times New Roman" panose="02020603050405020304" pitchFamily="18" charset="0"/>
+              </a:rPr>
+              <a:t>Exercise</a:t>
+            </a:r>
+            <a:r>
+              <a:rPr lang="da-DK" dirty="0">
+                <a:latin typeface="Times New Roman" panose="02020603050405020304" pitchFamily="18" charset="0"/>
+                <a:cs typeface="Times New Roman" panose="02020603050405020304" pitchFamily="18" charset="0"/>
+              </a:rPr>
+              <a:t> 29</a:t>
+            </a:r>
+          </a:p>
+        </p:txBody>
+      </p:sp>
+      <p:sp>
+        <p:nvSpPr>
+          <p:cNvPr id="3" name="Pladsholder til indhold 2">
+            <a:extLst>
+              <a:ext uri="{FF2B5EF4-FFF2-40B4-BE49-F238E27FC236}">
+                <a16:creationId xmlns:a16="http://schemas.microsoft.com/office/drawing/2014/main" id="{B3CE8B17-2FAF-8AE0-04A2-F890CDE59DD3}"/>
+              </a:ext>
+            </a:extLst>
+          </p:cNvPr>
+          <p:cNvSpPr>
+            <a:spLocks noGrp="1"/>
+          </p:cNvSpPr>
+          <p:nvPr>
+            <p:ph idx="1"/>
+          </p:nvPr>
+        </p:nvSpPr>
+        <p:spPr/>
+        <p:txBody>
+          <a:bodyPr/>
+          <a:lstStyle/>
+          <a:p>
+            <a:endParaRPr lang="da-DK" dirty="0"/>
+          </a:p>
+        </p:txBody>
+      </p:sp>
+    </p:spTree>
+    <p:extLst>
+      <p:ext uri="{BB962C8B-B14F-4D97-AF65-F5344CB8AC3E}">
+        <p14:creationId xmlns:p14="http://schemas.microsoft.com/office/powerpoint/2010/main" val="319533374"/>
+      </p:ext>
+    </p:extLst>
+  </p:cSld>
+  <p:clrMapOvr>
+    <a:masterClrMapping/>
+  </p:clrMapOvr>
+</p:sld>
+</file>
+
+<file path=ppt/slides/slide5.xml><?xml version="1.0" encoding="utf-8"?>
+<p:sld xmlns:a="http://schemas.openxmlformats.org/drawingml/2006/main" xmlns:r="http://schemas.openxmlformats.org/officeDocument/2006/relationships" xmlns:p="http://schemas.openxmlformats.org/presentationml/2006/main">
+  <p:cSld>
+    <p:spTree>
+      <p:nvGrpSpPr>
+        <p:cNvPr id="1" name="">
+          <a:extLst>
+            <a:ext uri="{FF2B5EF4-FFF2-40B4-BE49-F238E27FC236}">
+              <a16:creationId xmlns:a16="http://schemas.microsoft.com/office/drawing/2014/main" id="{71C9A6C2-F249-3295-4BC9-60F914074B65}"/>
+            </a:ext>
+          </a:extLst>
+        </p:cNvPr>
+        <p:cNvGrpSpPr/>
+        <p:nvPr/>
+      </p:nvGrpSpPr>
+      <p:grpSpPr>
+        <a:xfrm>
+          <a:off x="0" y="0"/>
+          <a:ext cx="0" cy="0"/>
+          <a:chOff x="0" y="0"/>
+          <a:chExt cx="0" cy="0"/>
+        </a:xfrm>
+      </p:grpSpPr>
+      <p:sp>
+        <p:nvSpPr>
+          <p:cNvPr id="2" name="Titel 1">
+            <a:extLst>
+              <a:ext uri="{FF2B5EF4-FFF2-40B4-BE49-F238E27FC236}">
+                <a16:creationId xmlns:a16="http://schemas.microsoft.com/office/drawing/2014/main" id="{B9B0FDCB-4A89-A927-343B-09C04BEDB704}"/>
+              </a:ext>
+            </a:extLst>
+          </p:cNvPr>
+          <p:cNvSpPr>
+            <a:spLocks noGrp="1"/>
+          </p:cNvSpPr>
+          <p:nvPr>
+            <p:ph type="title"/>
+          </p:nvPr>
+        </p:nvSpPr>
+        <p:spPr/>
+        <p:txBody>
+          <a:bodyPr/>
+          <a:lstStyle/>
+          <a:p>
+            <a:r>
+              <a:rPr lang="da-DK" dirty="0" err="1">
+                <a:latin typeface="Times New Roman" panose="02020603050405020304" pitchFamily="18" charset="0"/>
+                <a:cs typeface="Times New Roman" panose="02020603050405020304" pitchFamily="18" charset="0"/>
+              </a:rPr>
+              <a:t>Parametric</a:t>
+            </a:r>
+            <a:r>
+              <a:rPr lang="da-DK" dirty="0">
+                <a:latin typeface="Times New Roman" panose="02020603050405020304" pitchFamily="18" charset="0"/>
+                <a:cs typeface="Times New Roman" panose="02020603050405020304" pitchFamily="18" charset="0"/>
+              </a:rPr>
+              <a:t> Regression – OLS regression</a:t>
+            </a:r>
+          </a:p>
+        </p:txBody>
+      </p:sp>
+      <p:sp>
+        <p:nvSpPr>
+          <p:cNvPr id="3" name="Pladsholder til indhold 2">
+            <a:extLst>
+              <a:ext uri="{FF2B5EF4-FFF2-40B4-BE49-F238E27FC236}">
+                <a16:creationId xmlns:a16="http://schemas.microsoft.com/office/drawing/2014/main" id="{B6D4A602-23C2-4ADA-C34D-A9B2D52F82F5}"/>
+              </a:ext>
+            </a:extLst>
+          </p:cNvPr>
+          <p:cNvSpPr>
+            <a:spLocks noGrp="1"/>
+          </p:cNvSpPr>
+          <p:nvPr>
+            <p:ph idx="1"/>
+          </p:nvPr>
+        </p:nvSpPr>
+        <p:spPr/>
+        <p:txBody>
+          <a:bodyPr/>
+          <a:lstStyle/>
+          <a:p>
+            <a:r>
+              <a:rPr lang="da-DK" dirty="0">
+                <a:latin typeface="Times New Roman" panose="02020603050405020304" pitchFamily="18" charset="0"/>
+                <a:cs typeface="Times New Roman" panose="02020603050405020304" pitchFamily="18" charset="0"/>
+              </a:rPr>
+              <a:t>Derivation &amp; </a:t>
+            </a:r>
+            <a:r>
+              <a:rPr lang="da-DK" dirty="0" err="1">
+                <a:latin typeface="Times New Roman" panose="02020603050405020304" pitchFamily="18" charset="0"/>
+                <a:cs typeface="Times New Roman" panose="02020603050405020304" pitchFamily="18" charset="0"/>
+              </a:rPr>
+              <a:t>idea</a:t>
+            </a:r>
+            <a:endParaRPr lang="da-DK" dirty="0">
+              <a:latin typeface="Times New Roman" panose="02020603050405020304" pitchFamily="18" charset="0"/>
+              <a:cs typeface="Times New Roman" panose="02020603050405020304" pitchFamily="18" charset="0"/>
+            </a:endParaRPr>
+          </a:p>
+          <a:p>
+            <a:r>
+              <a:rPr lang="da-DK" dirty="0" err="1">
+                <a:latin typeface="Times New Roman" panose="02020603050405020304" pitchFamily="18" charset="0"/>
+                <a:cs typeface="Times New Roman" panose="02020603050405020304" pitchFamily="18" charset="0"/>
+              </a:rPr>
+              <a:t>Exercise</a:t>
+            </a:r>
+            <a:r>
+              <a:rPr lang="da-DK" dirty="0">
+                <a:latin typeface="Times New Roman" panose="02020603050405020304" pitchFamily="18" charset="0"/>
+                <a:cs typeface="Times New Roman" panose="02020603050405020304" pitchFamily="18" charset="0"/>
+              </a:rPr>
+              <a:t> 29</a:t>
+            </a:r>
+          </a:p>
+          <a:p>
+            <a:r>
+              <a:rPr lang="da-DK" dirty="0" err="1">
+                <a:latin typeface="Times New Roman" panose="02020603050405020304" pitchFamily="18" charset="0"/>
+                <a:cs typeface="Times New Roman" panose="02020603050405020304" pitchFamily="18" charset="0"/>
+              </a:rPr>
+              <a:t>Benefits</a:t>
+            </a:r>
+            <a:r>
+              <a:rPr lang="da-DK" dirty="0">
+                <a:latin typeface="Times New Roman" panose="02020603050405020304" pitchFamily="18" charset="0"/>
+                <a:cs typeface="Times New Roman" panose="02020603050405020304" pitchFamily="18" charset="0"/>
+              </a:rPr>
+              <a:t>:</a:t>
+            </a:r>
+          </a:p>
+          <a:p>
+            <a:pPr lvl="1"/>
+            <a:r>
+              <a:rPr lang="da-DK" dirty="0" err="1">
+                <a:latin typeface="Times New Roman" panose="02020603050405020304" pitchFamily="18" charset="0"/>
+                <a:cs typeface="Times New Roman" panose="02020603050405020304" pitchFamily="18" charset="0"/>
+              </a:rPr>
+              <a:t>Closed</a:t>
+            </a:r>
+            <a:r>
+              <a:rPr lang="da-DK" dirty="0">
+                <a:latin typeface="Times New Roman" panose="02020603050405020304" pitchFamily="18" charset="0"/>
+                <a:cs typeface="Times New Roman" panose="02020603050405020304" pitchFamily="18" charset="0"/>
+              </a:rPr>
+              <a:t> form solutions</a:t>
+            </a:r>
+          </a:p>
+          <a:p>
+            <a:r>
+              <a:rPr lang="da-DK" dirty="0" err="1">
+                <a:latin typeface="Times New Roman" panose="02020603050405020304" pitchFamily="18" charset="0"/>
+                <a:cs typeface="Times New Roman" panose="02020603050405020304" pitchFamily="18" charset="0"/>
+              </a:rPr>
+              <a:t>Disadvantages</a:t>
+            </a:r>
+            <a:r>
+              <a:rPr lang="da-DK" dirty="0">
+                <a:latin typeface="Times New Roman" panose="02020603050405020304" pitchFamily="18" charset="0"/>
+                <a:cs typeface="Times New Roman" panose="02020603050405020304" pitchFamily="18" charset="0"/>
+              </a:rPr>
+              <a:t>:</a:t>
+            </a:r>
+          </a:p>
+          <a:p>
+            <a:pPr lvl="1"/>
+            <a:r>
+              <a:rPr lang="da-DK" dirty="0">
+                <a:latin typeface="Times New Roman" panose="02020603050405020304" pitchFamily="18" charset="0"/>
+                <a:cs typeface="Times New Roman" panose="02020603050405020304" pitchFamily="18" charset="0"/>
+              </a:rPr>
+              <a:t>Has </a:t>
+            </a:r>
+            <a:r>
+              <a:rPr lang="da-DK" dirty="0" err="1">
+                <a:latin typeface="Times New Roman" panose="02020603050405020304" pitchFamily="18" charset="0"/>
+                <a:cs typeface="Times New Roman" panose="02020603050405020304" pitchFamily="18" charset="0"/>
+              </a:rPr>
+              <a:t>tendency</a:t>
+            </a:r>
+            <a:r>
+              <a:rPr lang="da-DK" dirty="0">
+                <a:latin typeface="Times New Roman" panose="02020603050405020304" pitchFamily="18" charset="0"/>
+                <a:cs typeface="Times New Roman" panose="02020603050405020304" pitchFamily="18" charset="0"/>
+              </a:rPr>
+              <a:t> to overfit</a:t>
+            </a:r>
+          </a:p>
+          <a:p>
+            <a:pPr lvl="1"/>
+            <a:r>
+              <a:rPr lang="da-DK" dirty="0" err="1">
+                <a:latin typeface="Times New Roman" panose="02020603050405020304" pitchFamily="18" charset="0"/>
+                <a:cs typeface="Times New Roman" panose="02020603050405020304" pitchFamily="18" charset="0"/>
+              </a:rPr>
+              <a:t>We</a:t>
+            </a:r>
+            <a:r>
+              <a:rPr lang="da-DK" dirty="0">
+                <a:latin typeface="Times New Roman" panose="02020603050405020304" pitchFamily="18" charset="0"/>
+                <a:cs typeface="Times New Roman" panose="02020603050405020304" pitchFamily="18" charset="0"/>
+              </a:rPr>
+              <a:t> have to </a:t>
+            </a:r>
+            <a:r>
+              <a:rPr lang="da-DK" dirty="0" err="1">
+                <a:latin typeface="Times New Roman" panose="02020603050405020304" pitchFamily="18" charset="0"/>
+                <a:cs typeface="Times New Roman" panose="02020603050405020304" pitchFamily="18" charset="0"/>
+              </a:rPr>
+              <a:t>assign</a:t>
+            </a:r>
+            <a:r>
+              <a:rPr lang="da-DK" dirty="0">
+                <a:latin typeface="Times New Roman" panose="02020603050405020304" pitchFamily="18" charset="0"/>
+                <a:cs typeface="Times New Roman" panose="02020603050405020304" pitchFamily="18" charset="0"/>
+              </a:rPr>
+              <a:t> form of fit</a:t>
+            </a:r>
+          </a:p>
+          <a:p>
+            <a:pPr marL="457200" lvl="1" indent="0">
+              <a:buNone/>
+            </a:pPr>
+            <a:endParaRPr lang="da-DK" dirty="0"/>
+          </a:p>
+        </p:txBody>
+      </p:sp>
+    </p:spTree>
+    <p:extLst>
+      <p:ext uri="{BB962C8B-B14F-4D97-AF65-F5344CB8AC3E}">
+        <p14:creationId xmlns:p14="http://schemas.microsoft.com/office/powerpoint/2010/main" val="1265964174"/>
+      </p:ext>
+    </p:extLst>
+  </p:cSld>
+  <p:clrMapOvr>
+    <a:masterClrMapping/>
+  </p:clrMapOvr>
+</p:sld>
+</file>
+
+<file path=ppt/slides/slide6.xml><?xml version="1.0" encoding="utf-8"?>
+<p:sld xmlns:a="http://schemas.openxmlformats.org/drawingml/2006/main" xmlns:r="http://schemas.openxmlformats.org/officeDocument/2006/relationships" xmlns:p="http://schemas.openxmlformats.org/presentationml/2006/main">
+  <p:cSld>
+    <p:spTree>
+      <p:nvGrpSpPr>
+        <p:cNvPr id="1" name=""/>
+        <p:cNvGrpSpPr/>
+        <p:nvPr/>
+      </p:nvGrpSpPr>
+      <p:grpSpPr>
+        <a:xfrm>
+          <a:off x="0" y="0"/>
+          <a:ext cx="0" cy="0"/>
+          <a:chOff x="0" y="0"/>
+          <a:chExt cx="0" cy="0"/>
+        </a:xfrm>
+      </p:grpSpPr>
+      <p:sp>
+        <p:nvSpPr>
+          <p:cNvPr id="2" name="Titel 1">
+            <a:extLst>
+              <a:ext uri="{FF2B5EF4-FFF2-40B4-BE49-F238E27FC236}">
+                <a16:creationId xmlns:a16="http://schemas.microsoft.com/office/drawing/2014/main" id="{46C9EBDE-7A35-2B85-FC38-AD80727597AD}"/>
+              </a:ext>
+            </a:extLst>
+          </p:cNvPr>
+          <p:cNvSpPr>
+            <a:spLocks noGrp="1"/>
+          </p:cNvSpPr>
+          <p:nvPr>
+            <p:ph type="title"/>
+          </p:nvPr>
+        </p:nvSpPr>
+        <p:spPr/>
+        <p:txBody>
+          <a:bodyPr/>
+          <a:lstStyle/>
+          <a:p>
+            <a:r>
+              <a:rPr lang="da-DK" dirty="0" err="1">
+                <a:latin typeface="Times New Roman" panose="02020603050405020304" pitchFamily="18" charset="0"/>
+                <a:cs typeface="Times New Roman" panose="02020603050405020304" pitchFamily="18" charset="0"/>
+              </a:rPr>
+              <a:t>Parametric</a:t>
+            </a:r>
+            <a:r>
+              <a:rPr lang="da-DK" dirty="0">
+                <a:latin typeface="Times New Roman" panose="02020603050405020304" pitchFamily="18" charset="0"/>
+                <a:cs typeface="Times New Roman" panose="02020603050405020304" pitchFamily="18" charset="0"/>
+              </a:rPr>
+              <a:t> Regression – </a:t>
+            </a:r>
+            <a:r>
+              <a:rPr lang="da-DK" dirty="0" err="1">
+                <a:latin typeface="Times New Roman" panose="02020603050405020304" pitchFamily="18" charset="0"/>
+                <a:cs typeface="Times New Roman" panose="02020603050405020304" pitchFamily="18" charset="0"/>
+              </a:rPr>
+              <a:t>Ridge</a:t>
+            </a:r>
+            <a:r>
+              <a:rPr lang="da-DK" dirty="0">
+                <a:latin typeface="Times New Roman" panose="02020603050405020304" pitchFamily="18" charset="0"/>
+                <a:cs typeface="Times New Roman" panose="02020603050405020304" pitchFamily="18" charset="0"/>
+              </a:rPr>
+              <a:t> Regression</a:t>
+            </a:r>
+          </a:p>
+        </p:txBody>
+      </p:sp>
+      <p:sp>
+        <p:nvSpPr>
+          <p:cNvPr id="4" name="Pladsholder til indhold 2">
+            <a:extLst>
+              <a:ext uri="{FF2B5EF4-FFF2-40B4-BE49-F238E27FC236}">
+                <a16:creationId xmlns:a16="http://schemas.microsoft.com/office/drawing/2014/main" id="{8A213123-B5AE-724A-2EBE-ACF05D519C20}"/>
+              </a:ext>
+            </a:extLst>
+          </p:cNvPr>
+          <p:cNvSpPr txBox="1">
+            <a:spLocks/>
+          </p:cNvSpPr>
+          <p:nvPr/>
+        </p:nvSpPr>
+        <p:spPr>
+          <a:xfrm>
+            <a:off x="838200" y="1826489"/>
+            <a:ext cx="10515600" cy="4351338"/>
+          </a:xfrm>
+          <a:prstGeom prst="rect">
+            <a:avLst/>
+          </a:prstGeom>
+        </p:spPr>
+        <p:txBody>
+          <a:bodyPr vert="horz" lIns="91440" tIns="45720" rIns="91440" bIns="45720" rtlCol="0">
+            <a:normAutofit/>
+          </a:bodyPr>
+          <a:lstStyle>
+            <a:lvl1pPr marL="228600" indent="-228600" algn="l" defTabSz="914400" rtl="0" eaLnBrk="1" latinLnBrk="0" hangingPunct="1">
+              <a:lnSpc>
+                <a:spcPct val="90000"/>
+              </a:lnSpc>
+              <a:spcBef>
+                <a:spcPts val="1000"/>
+              </a:spcBef>
+              <a:buFont typeface="Arial" panose="020B0604020202020204" pitchFamily="34" charset="0"/>
+              <a:buChar char="•"/>
+              <a:defRPr sz="2800" kern="1200">
+                <a:solidFill>
+                  <a:schemeClr val="tx1"/>
+                </a:solidFill>
+                <a:latin typeface="+mn-lt"/>
+                <a:ea typeface="+mn-ea"/>
+                <a:cs typeface="+mn-cs"/>
+              </a:defRPr>
+            </a:lvl1pPr>
+            <a:lvl2pPr marL="685800" indent="-228600" algn="l" defTabSz="914400" rtl="0" eaLnBrk="1" latinLnBrk="0" hangingPunct="1">
+              <a:lnSpc>
+                <a:spcPct val="90000"/>
+              </a:lnSpc>
+              <a:spcBef>
+                <a:spcPts val="500"/>
+              </a:spcBef>
+              <a:buFont typeface="Arial" panose="020B0604020202020204" pitchFamily="34" charset="0"/>
+              <a:buChar char="•"/>
+              <a:defRPr sz="2400" kern="1200">
+                <a:solidFill>
+                  <a:schemeClr val="tx1"/>
+                </a:solidFill>
+                <a:latin typeface="+mn-lt"/>
+                <a:ea typeface="+mn-ea"/>
+                <a:cs typeface="+mn-cs"/>
+              </a:defRPr>
+            </a:lvl2pPr>
+            <a:lvl3pPr marL="1143000" indent="-228600" algn="l" defTabSz="914400" rtl="0" eaLnBrk="1" latinLnBrk="0" hangingPunct="1">
+              <a:lnSpc>
+                <a:spcPct val="90000"/>
+              </a:lnSpc>
+              <a:spcBef>
+                <a:spcPts val="500"/>
+              </a:spcBef>
+              <a:buFont typeface="Arial" panose="020B0604020202020204" pitchFamily="34" charset="0"/>
+              <a:buChar char="•"/>
+              <a:defRPr sz="2000" kern="1200">
+                <a:solidFill>
+                  <a:schemeClr val="tx1"/>
+                </a:solidFill>
+                <a:latin typeface="+mn-lt"/>
+                <a:ea typeface="+mn-ea"/>
+                <a:cs typeface="+mn-cs"/>
+              </a:defRPr>
+            </a:lvl3pPr>
+            <a:lvl4pPr marL="1600200" indent="-228600" algn="l" defTabSz="914400" rtl="0" eaLnBrk="1" latinLnBrk="0" hangingPunct="1">
+              <a:lnSpc>
+                <a:spcPct val="90000"/>
+              </a:lnSpc>
+              <a:spcBef>
+                <a:spcPts val="500"/>
+              </a:spcBef>
+              <a:buFont typeface="Arial" panose="020B0604020202020204" pitchFamily="34" charset="0"/>
+              <a:buChar char="•"/>
+              <a:defRPr sz="1800" kern="1200">
+                <a:solidFill>
+                  <a:schemeClr val="tx1"/>
+                </a:solidFill>
+                <a:latin typeface="+mn-lt"/>
+                <a:ea typeface="+mn-ea"/>
+                <a:cs typeface="+mn-cs"/>
+              </a:defRPr>
+            </a:lvl4pPr>
+            <a:lvl5pPr marL="2057400" indent="-228600" algn="l" defTabSz="914400" rtl="0" eaLnBrk="1" latinLnBrk="0" hangingPunct="1">
+              <a:lnSpc>
+                <a:spcPct val="90000"/>
+              </a:lnSpc>
+              <a:spcBef>
+                <a:spcPts val="500"/>
+              </a:spcBef>
+              <a:buFont typeface="Arial" panose="020B0604020202020204" pitchFamily="34" charset="0"/>
+              <a:buChar char="•"/>
+              <a:defRPr sz="1800" kern="1200">
+                <a:solidFill>
+                  <a:schemeClr val="tx1"/>
+                </a:solidFill>
+                <a:latin typeface="+mn-lt"/>
+                <a:ea typeface="+mn-ea"/>
+                <a:cs typeface="+mn-cs"/>
+              </a:defRPr>
+            </a:lvl5pPr>
+            <a:lvl6pPr marL="2514600" indent="-228600" algn="l" defTabSz="914400" rtl="0" eaLnBrk="1" latinLnBrk="0" hangingPunct="1">
+              <a:lnSpc>
+                <a:spcPct val="90000"/>
+              </a:lnSpc>
+              <a:spcBef>
+                <a:spcPts val="500"/>
+              </a:spcBef>
+              <a:buFont typeface="Arial" panose="020B0604020202020204" pitchFamily="34" charset="0"/>
+              <a:buChar char="•"/>
+              <a:defRPr sz="1800" kern="1200">
+                <a:solidFill>
+                  <a:schemeClr val="tx1"/>
+                </a:solidFill>
+                <a:latin typeface="+mn-lt"/>
+                <a:ea typeface="+mn-ea"/>
+                <a:cs typeface="+mn-cs"/>
+              </a:defRPr>
+            </a:lvl6pPr>
+            <a:lvl7pPr marL="2971800" indent="-228600" algn="l" defTabSz="914400" rtl="0" eaLnBrk="1" latinLnBrk="0" hangingPunct="1">
+              <a:lnSpc>
+                <a:spcPct val="90000"/>
+              </a:lnSpc>
+              <a:spcBef>
+                <a:spcPts val="500"/>
+              </a:spcBef>
+              <a:buFont typeface="Arial" panose="020B0604020202020204" pitchFamily="34" charset="0"/>
+              <a:buChar char="•"/>
+              <a:defRPr sz="1800" kern="1200">
+                <a:solidFill>
+                  <a:schemeClr val="tx1"/>
+                </a:solidFill>
+                <a:latin typeface="+mn-lt"/>
+                <a:ea typeface="+mn-ea"/>
+                <a:cs typeface="+mn-cs"/>
+              </a:defRPr>
+            </a:lvl7pPr>
+            <a:lvl8pPr marL="3429000" indent="-228600" algn="l" defTabSz="914400" rtl="0" eaLnBrk="1" latinLnBrk="0" hangingPunct="1">
+              <a:lnSpc>
+                <a:spcPct val="90000"/>
+              </a:lnSpc>
+              <a:spcBef>
+                <a:spcPts val="500"/>
+              </a:spcBef>
+              <a:buFont typeface="Arial" panose="020B0604020202020204" pitchFamily="34" charset="0"/>
+              <a:buChar char="•"/>
+              <a:defRPr sz="1800" kern="1200">
+                <a:solidFill>
+                  <a:schemeClr val="tx1"/>
+                </a:solidFill>
+                <a:latin typeface="+mn-lt"/>
+                <a:ea typeface="+mn-ea"/>
+                <a:cs typeface="+mn-cs"/>
+              </a:defRPr>
+            </a:lvl8pPr>
+            <a:lvl9pPr marL="3886200" indent="-228600" algn="l" defTabSz="914400" rtl="0" eaLnBrk="1" latinLnBrk="0" hangingPunct="1">
+              <a:lnSpc>
+                <a:spcPct val="90000"/>
+              </a:lnSpc>
+              <a:spcBef>
+                <a:spcPts val="500"/>
+              </a:spcBef>
+              <a:buFont typeface="Arial" panose="020B0604020202020204" pitchFamily="34" charset="0"/>
+              <a:buChar char="•"/>
+              <a:defRPr sz="1800" kern="1200">
+                <a:solidFill>
+                  <a:schemeClr val="tx1"/>
+                </a:solidFill>
+                <a:latin typeface="+mn-lt"/>
+                <a:ea typeface="+mn-ea"/>
+                <a:cs typeface="+mn-cs"/>
+              </a:defRPr>
+            </a:lvl9pPr>
+          </a:lstStyle>
+          <a:p>
+            <a:r>
+              <a:rPr lang="da-DK" dirty="0">
+                <a:latin typeface="Times New Roman" panose="02020603050405020304" pitchFamily="18" charset="0"/>
+                <a:cs typeface="Times New Roman" panose="02020603050405020304" pitchFamily="18" charset="0"/>
+              </a:rPr>
+              <a:t>Derivation &amp; </a:t>
+            </a:r>
+            <a:r>
+              <a:rPr lang="da-DK" dirty="0" err="1">
+                <a:latin typeface="Times New Roman" panose="02020603050405020304" pitchFamily="18" charset="0"/>
+                <a:cs typeface="Times New Roman" panose="02020603050405020304" pitchFamily="18" charset="0"/>
+              </a:rPr>
+              <a:t>idea</a:t>
+            </a:r>
+            <a:endParaRPr lang="da-DK" dirty="0">
+              <a:latin typeface="Times New Roman" panose="02020603050405020304" pitchFamily="18" charset="0"/>
+              <a:cs typeface="Times New Roman" panose="02020603050405020304" pitchFamily="18" charset="0"/>
+            </a:endParaRPr>
+          </a:p>
+          <a:p>
+            <a:r>
+              <a:rPr lang="da-DK" dirty="0" err="1">
+                <a:latin typeface="Times New Roman" panose="02020603050405020304" pitchFamily="18" charset="0"/>
+                <a:cs typeface="Times New Roman" panose="02020603050405020304" pitchFamily="18" charset="0"/>
+              </a:rPr>
+              <a:t>Exercise</a:t>
+            </a:r>
+            <a:r>
+              <a:rPr lang="da-DK" dirty="0">
+                <a:latin typeface="Times New Roman" panose="02020603050405020304" pitchFamily="18" charset="0"/>
+                <a:cs typeface="Times New Roman" panose="02020603050405020304" pitchFamily="18" charset="0"/>
+              </a:rPr>
+              <a:t> 29</a:t>
+            </a:r>
+          </a:p>
+        </p:txBody>
+      </p:sp>
+    </p:spTree>
+    <p:extLst>
+      <p:ext uri="{BB962C8B-B14F-4D97-AF65-F5344CB8AC3E}">
+        <p14:creationId xmlns:p14="http://schemas.microsoft.com/office/powerpoint/2010/main" val="2014532395"/>
+      </p:ext>
+    </p:extLst>
+  </p:cSld>
+  <p:clrMapOvr>
+    <a:masterClrMapping/>
+  </p:clrMapOvr>
+</p:sld>
+</file>
+
+<file path=ppt/slides/slide7.xml><?xml version="1.0" encoding="utf-8"?>
+<p:sld xmlns:a="http://schemas.openxmlformats.org/drawingml/2006/main" xmlns:r="http://schemas.openxmlformats.org/officeDocument/2006/relationships" xmlns:p="http://schemas.openxmlformats.org/presentationml/2006/main">
+  <p:cSld>
+    <p:spTree>
+      <p:nvGrpSpPr>
+        <p:cNvPr id="1" name=""/>
+        <p:cNvGrpSpPr/>
+        <p:nvPr/>
+      </p:nvGrpSpPr>
+      <p:grpSpPr>
+        <a:xfrm>
+          <a:off x="0" y="0"/>
+          <a:ext cx="0" cy="0"/>
+          <a:chOff x="0" y="0"/>
+          <a:chExt cx="0" cy="0"/>
+        </a:xfrm>
+      </p:grpSpPr>
+      <p:sp>
+        <p:nvSpPr>
+          <p:cNvPr id="2" name="Titel 1">
+            <a:extLst>
+              <a:ext uri="{FF2B5EF4-FFF2-40B4-BE49-F238E27FC236}">
+                <a16:creationId xmlns:a16="http://schemas.microsoft.com/office/drawing/2014/main" id="{26D9C8B7-2271-FD3C-15B8-5ABB33679465}"/>
+              </a:ext>
+            </a:extLst>
+          </p:cNvPr>
+          <p:cNvSpPr>
+            <a:spLocks noGrp="1"/>
+          </p:cNvSpPr>
+          <p:nvPr>
+            <p:ph type="title"/>
+          </p:nvPr>
+        </p:nvSpPr>
+        <p:spPr/>
+        <p:txBody>
+          <a:bodyPr/>
+          <a:lstStyle/>
+          <a:p>
+            <a:r>
+              <a:rPr lang="da-DK" dirty="0" err="1">
+                <a:latin typeface="Times New Roman" panose="02020603050405020304" pitchFamily="18" charset="0"/>
+                <a:cs typeface="Times New Roman" panose="02020603050405020304" pitchFamily="18" charset="0"/>
+              </a:rPr>
+              <a:t>Ridge</a:t>
+            </a:r>
+            <a:r>
+              <a:rPr lang="da-DK" dirty="0">
+                <a:latin typeface="Times New Roman" panose="02020603050405020304" pitchFamily="18" charset="0"/>
+                <a:cs typeface="Times New Roman" panose="02020603050405020304" pitchFamily="18" charset="0"/>
+              </a:rPr>
+              <a:t> Regression – </a:t>
+            </a:r>
+            <a:r>
+              <a:rPr lang="da-DK" dirty="0" err="1">
+                <a:latin typeface="Times New Roman" panose="02020603050405020304" pitchFamily="18" charset="0"/>
+                <a:cs typeface="Times New Roman" panose="02020603050405020304" pitchFamily="18" charset="0"/>
+              </a:rPr>
+              <a:t>Exercise</a:t>
+            </a:r>
+            <a:r>
+              <a:rPr lang="da-DK" dirty="0">
+                <a:latin typeface="Times New Roman" panose="02020603050405020304" pitchFamily="18" charset="0"/>
+                <a:cs typeface="Times New Roman" panose="02020603050405020304" pitchFamily="18" charset="0"/>
+              </a:rPr>
+              <a:t> 29</a:t>
+            </a:r>
+          </a:p>
+        </p:txBody>
+      </p:sp>
+      <p:sp>
+        <p:nvSpPr>
+          <p:cNvPr id="3" name="Pladsholder til indhold 2">
+            <a:extLst>
+              <a:ext uri="{FF2B5EF4-FFF2-40B4-BE49-F238E27FC236}">
+                <a16:creationId xmlns:a16="http://schemas.microsoft.com/office/drawing/2014/main" id="{2B39448C-B500-80B1-9AF5-229D11DC7CA1}"/>
+              </a:ext>
+            </a:extLst>
+          </p:cNvPr>
+          <p:cNvSpPr>
+            <a:spLocks noGrp="1"/>
+          </p:cNvSpPr>
+          <p:nvPr>
+            <p:ph idx="1"/>
+          </p:nvPr>
+        </p:nvSpPr>
+        <p:spPr/>
+        <p:txBody>
+          <a:bodyPr/>
+          <a:lstStyle/>
+          <a:p>
+            <a:endParaRPr lang="da-DK"/>
+          </a:p>
+        </p:txBody>
+      </p:sp>
+    </p:spTree>
+    <p:extLst>
+      <p:ext uri="{BB962C8B-B14F-4D97-AF65-F5344CB8AC3E}">
+        <p14:creationId xmlns:p14="http://schemas.microsoft.com/office/powerpoint/2010/main" val="123463141"/>
+      </p:ext>
+    </p:extLst>
+  </p:cSld>
+  <p:clrMapOvr>
+    <a:masterClrMapping/>
+  </p:clrMapOvr>
+</p:sld>
+</file>
+
+<file path=ppt/slides/slide8.xml><?xml version="1.0" encoding="utf-8"?>
+<p:sld xmlns:a="http://schemas.openxmlformats.org/drawingml/2006/main" xmlns:r="http://schemas.openxmlformats.org/officeDocument/2006/relationships" xmlns:p="http://schemas.openxmlformats.org/presentationml/2006/main">
+  <p:cSld>
+    <p:spTree>
+      <p:nvGrpSpPr>
+        <p:cNvPr id="1" name="">
+          <a:extLst>
+            <a:ext uri="{FF2B5EF4-FFF2-40B4-BE49-F238E27FC236}">
+              <a16:creationId xmlns:a16="http://schemas.microsoft.com/office/drawing/2014/main" id="{07E397AD-991C-D29B-B1D5-A01466EA44DF}"/>
+            </a:ext>
+          </a:extLst>
+        </p:cNvPr>
+        <p:cNvGrpSpPr/>
+        <p:nvPr/>
+      </p:nvGrpSpPr>
+      <p:grpSpPr>
+        <a:xfrm>
+          <a:off x="0" y="0"/>
+          <a:ext cx="0" cy="0"/>
+          <a:chOff x="0" y="0"/>
+          <a:chExt cx="0" cy="0"/>
+        </a:xfrm>
+      </p:grpSpPr>
+      <p:sp>
+        <p:nvSpPr>
+          <p:cNvPr id="2" name="Titel 1">
+            <a:extLst>
+              <a:ext uri="{FF2B5EF4-FFF2-40B4-BE49-F238E27FC236}">
+                <a16:creationId xmlns:a16="http://schemas.microsoft.com/office/drawing/2014/main" id="{16DBD5FF-1EE7-E9FF-EB56-5349085913C9}"/>
+              </a:ext>
+            </a:extLst>
+          </p:cNvPr>
+          <p:cNvSpPr>
+            <a:spLocks noGrp="1"/>
+          </p:cNvSpPr>
+          <p:nvPr>
+            <p:ph type="title"/>
+          </p:nvPr>
+        </p:nvSpPr>
+        <p:spPr/>
+        <p:txBody>
+          <a:bodyPr/>
+          <a:lstStyle/>
+          <a:p>
+            <a:r>
+              <a:rPr lang="da-DK" dirty="0" err="1">
+                <a:latin typeface="Times New Roman" panose="02020603050405020304" pitchFamily="18" charset="0"/>
+                <a:cs typeface="Times New Roman" panose="02020603050405020304" pitchFamily="18" charset="0"/>
+              </a:rPr>
+              <a:t>Parametric</a:t>
+            </a:r>
+            <a:r>
+              <a:rPr lang="da-DK" dirty="0">
+                <a:latin typeface="Times New Roman" panose="02020603050405020304" pitchFamily="18" charset="0"/>
+                <a:cs typeface="Times New Roman" panose="02020603050405020304" pitchFamily="18" charset="0"/>
+              </a:rPr>
+              <a:t> Regression – </a:t>
+            </a:r>
+            <a:r>
+              <a:rPr lang="da-DK" dirty="0" err="1">
+                <a:latin typeface="Times New Roman" panose="02020603050405020304" pitchFamily="18" charset="0"/>
+                <a:cs typeface="Times New Roman" panose="02020603050405020304" pitchFamily="18" charset="0"/>
+              </a:rPr>
+              <a:t>Ridge</a:t>
+            </a:r>
+            <a:r>
+              <a:rPr lang="da-DK" dirty="0">
+                <a:latin typeface="Times New Roman" panose="02020603050405020304" pitchFamily="18" charset="0"/>
+                <a:cs typeface="Times New Roman" panose="02020603050405020304" pitchFamily="18" charset="0"/>
+              </a:rPr>
+              <a:t> Regression</a:t>
+            </a:r>
+          </a:p>
+        </p:txBody>
+      </p:sp>
+      <p:sp>
+        <p:nvSpPr>
+          <p:cNvPr id="4" name="Pladsholder til indhold 2">
+            <a:extLst>
+              <a:ext uri="{FF2B5EF4-FFF2-40B4-BE49-F238E27FC236}">
+                <a16:creationId xmlns:a16="http://schemas.microsoft.com/office/drawing/2014/main" id="{855EC09A-8EAA-11C5-C304-8209DBCA44BC}"/>
+              </a:ext>
+            </a:extLst>
+          </p:cNvPr>
+          <p:cNvSpPr txBox="1">
+            <a:spLocks/>
+          </p:cNvSpPr>
+          <p:nvPr/>
+        </p:nvSpPr>
+        <p:spPr>
+          <a:xfrm>
+            <a:off x="838200" y="1826489"/>
+            <a:ext cx="10515600" cy="4351338"/>
+          </a:xfrm>
+          <a:prstGeom prst="rect">
+            <a:avLst/>
+          </a:prstGeom>
+        </p:spPr>
+        <p:txBody>
+          <a:bodyPr vert="horz" lIns="91440" tIns="45720" rIns="91440" bIns="45720" rtlCol="0">
+            <a:normAutofit/>
+          </a:bodyPr>
+          <a:lstStyle>
+            <a:lvl1pPr marL="228600" indent="-228600" algn="l" defTabSz="914400" rtl="0" eaLnBrk="1" latinLnBrk="0" hangingPunct="1">
+              <a:lnSpc>
+                <a:spcPct val="90000"/>
+              </a:lnSpc>
+              <a:spcBef>
+                <a:spcPts val="1000"/>
+              </a:spcBef>
+              <a:buFont typeface="Arial" panose="020B0604020202020204" pitchFamily="34" charset="0"/>
+              <a:buChar char="•"/>
+              <a:defRPr sz="2800" kern="1200">
+                <a:solidFill>
+                  <a:schemeClr val="tx1"/>
+                </a:solidFill>
+                <a:latin typeface="+mn-lt"/>
+                <a:ea typeface="+mn-ea"/>
+                <a:cs typeface="+mn-cs"/>
+              </a:defRPr>
+            </a:lvl1pPr>
+            <a:lvl2pPr marL="685800" indent="-228600" algn="l" defTabSz="914400" rtl="0" eaLnBrk="1" latinLnBrk="0" hangingPunct="1">
+              <a:lnSpc>
+                <a:spcPct val="90000"/>
+              </a:lnSpc>
+              <a:spcBef>
+                <a:spcPts val="500"/>
+              </a:spcBef>
+              <a:buFont typeface="Arial" panose="020B0604020202020204" pitchFamily="34" charset="0"/>
+              <a:buChar char="•"/>
+              <a:defRPr sz="2400" kern="1200">
+                <a:solidFill>
+                  <a:schemeClr val="tx1"/>
+                </a:solidFill>
+                <a:latin typeface="+mn-lt"/>
+                <a:ea typeface="+mn-ea"/>
+                <a:cs typeface="+mn-cs"/>
+              </a:defRPr>
+            </a:lvl2pPr>
+            <a:lvl3pPr marL="1143000" indent="-228600" algn="l" defTabSz="914400" rtl="0" eaLnBrk="1" latinLnBrk="0" hangingPunct="1">
+              <a:lnSpc>
+                <a:spcPct val="90000"/>
+              </a:lnSpc>
+              <a:spcBef>
+                <a:spcPts val="500"/>
+              </a:spcBef>
+              <a:buFont typeface="Arial" panose="020B0604020202020204" pitchFamily="34" charset="0"/>
+              <a:buChar char="•"/>
+              <a:defRPr sz="2000" kern="1200">
+                <a:solidFill>
+                  <a:schemeClr val="tx1"/>
+                </a:solidFill>
+                <a:latin typeface="+mn-lt"/>
+                <a:ea typeface="+mn-ea"/>
+                <a:cs typeface="+mn-cs"/>
+              </a:defRPr>
+            </a:lvl3pPr>
+            <a:lvl4pPr marL="1600200" indent="-228600" algn="l" defTabSz="914400" rtl="0" eaLnBrk="1" latinLnBrk="0" hangingPunct="1">
+              <a:lnSpc>
+                <a:spcPct val="90000"/>
+              </a:lnSpc>
+              <a:spcBef>
+                <a:spcPts val="500"/>
+              </a:spcBef>
+              <a:buFont typeface="Arial" panose="020B0604020202020204" pitchFamily="34" charset="0"/>
+              <a:buChar char="•"/>
+              <a:defRPr sz="1800" kern="1200">
+                <a:solidFill>
+                  <a:schemeClr val="tx1"/>
+                </a:solidFill>
+                <a:latin typeface="+mn-lt"/>
+                <a:ea typeface="+mn-ea"/>
+                <a:cs typeface="+mn-cs"/>
+              </a:defRPr>
+            </a:lvl4pPr>
+            <a:lvl5pPr marL="2057400" indent="-228600" algn="l" defTabSz="914400" rtl="0" eaLnBrk="1" latinLnBrk="0" hangingPunct="1">
+              <a:lnSpc>
+                <a:spcPct val="90000"/>
+              </a:lnSpc>
+              <a:spcBef>
+                <a:spcPts val="500"/>
+              </a:spcBef>
+              <a:buFont typeface="Arial" panose="020B0604020202020204" pitchFamily="34" charset="0"/>
+              <a:buChar char="•"/>
+              <a:defRPr sz="1800" kern="1200">
+                <a:solidFill>
+                  <a:schemeClr val="tx1"/>
+                </a:solidFill>
+                <a:latin typeface="+mn-lt"/>
+                <a:ea typeface="+mn-ea"/>
+                <a:cs typeface="+mn-cs"/>
+              </a:defRPr>
+            </a:lvl5pPr>
+            <a:lvl6pPr marL="2514600" indent="-228600" algn="l" defTabSz="914400" rtl="0" eaLnBrk="1" latinLnBrk="0" hangingPunct="1">
+              <a:lnSpc>
+                <a:spcPct val="90000"/>
+              </a:lnSpc>
+              <a:spcBef>
+                <a:spcPts val="500"/>
+              </a:spcBef>
+              <a:buFont typeface="Arial" panose="020B0604020202020204" pitchFamily="34" charset="0"/>
+              <a:buChar char="•"/>
+              <a:defRPr sz="1800" kern="1200">
+                <a:solidFill>
+                  <a:schemeClr val="tx1"/>
+                </a:solidFill>
+                <a:latin typeface="+mn-lt"/>
+                <a:ea typeface="+mn-ea"/>
+                <a:cs typeface="+mn-cs"/>
+              </a:defRPr>
+            </a:lvl6pPr>
+            <a:lvl7pPr marL="2971800" indent="-228600" algn="l" defTabSz="914400" rtl="0" eaLnBrk="1" latinLnBrk="0" hangingPunct="1">
+              <a:lnSpc>
+                <a:spcPct val="90000"/>
+              </a:lnSpc>
+              <a:spcBef>
+                <a:spcPts val="500"/>
+              </a:spcBef>
+              <a:buFont typeface="Arial" panose="020B0604020202020204" pitchFamily="34" charset="0"/>
+              <a:buChar char="•"/>
+              <a:defRPr sz="1800" kern="1200">
+                <a:solidFill>
+                  <a:schemeClr val="tx1"/>
+                </a:solidFill>
+                <a:latin typeface="+mn-lt"/>
+                <a:ea typeface="+mn-ea"/>
+                <a:cs typeface="+mn-cs"/>
+              </a:defRPr>
+            </a:lvl7pPr>
+            <a:lvl8pPr marL="3429000" indent="-228600" algn="l" defTabSz="914400" rtl="0" eaLnBrk="1" latinLnBrk="0" hangingPunct="1">
+              <a:lnSpc>
+                <a:spcPct val="90000"/>
+              </a:lnSpc>
+              <a:spcBef>
+                <a:spcPts val="500"/>
+              </a:spcBef>
+              <a:buFont typeface="Arial" panose="020B0604020202020204" pitchFamily="34" charset="0"/>
+              <a:buChar char="•"/>
+              <a:defRPr sz="1800" kern="1200">
+                <a:solidFill>
+                  <a:schemeClr val="tx1"/>
+                </a:solidFill>
+                <a:latin typeface="+mn-lt"/>
+                <a:ea typeface="+mn-ea"/>
+                <a:cs typeface="+mn-cs"/>
+              </a:defRPr>
+            </a:lvl8pPr>
+            <a:lvl9pPr marL="3886200" indent="-228600" algn="l" defTabSz="914400" rtl="0" eaLnBrk="1" latinLnBrk="0" hangingPunct="1">
+              <a:lnSpc>
+                <a:spcPct val="90000"/>
+              </a:lnSpc>
+              <a:spcBef>
+                <a:spcPts val="500"/>
+              </a:spcBef>
+              <a:buFont typeface="Arial" panose="020B0604020202020204" pitchFamily="34" charset="0"/>
+              <a:buChar char="•"/>
+              <a:defRPr sz="1800" kern="1200">
+                <a:solidFill>
+                  <a:schemeClr val="tx1"/>
+                </a:solidFill>
+                <a:latin typeface="+mn-lt"/>
+                <a:ea typeface="+mn-ea"/>
+                <a:cs typeface="+mn-cs"/>
+              </a:defRPr>
+            </a:lvl9pPr>
+          </a:lstStyle>
+          <a:p>
+            <a:r>
+              <a:rPr lang="da-DK" dirty="0">
+                <a:latin typeface="Times New Roman" panose="02020603050405020304" pitchFamily="18" charset="0"/>
+                <a:cs typeface="Times New Roman" panose="02020603050405020304" pitchFamily="18" charset="0"/>
+              </a:rPr>
+              <a:t>Derivation &amp; </a:t>
+            </a:r>
+            <a:r>
+              <a:rPr lang="da-DK" dirty="0" err="1">
+                <a:latin typeface="Times New Roman" panose="02020603050405020304" pitchFamily="18" charset="0"/>
+                <a:cs typeface="Times New Roman" panose="02020603050405020304" pitchFamily="18" charset="0"/>
+              </a:rPr>
+              <a:t>idea</a:t>
+            </a:r>
+            <a:endParaRPr lang="da-DK" dirty="0">
+              <a:latin typeface="Times New Roman" panose="02020603050405020304" pitchFamily="18" charset="0"/>
+              <a:cs typeface="Times New Roman" panose="02020603050405020304" pitchFamily="18" charset="0"/>
+            </a:endParaRPr>
+          </a:p>
+          <a:p>
+            <a:r>
+              <a:rPr lang="da-DK" dirty="0" err="1">
+                <a:latin typeface="Times New Roman" panose="02020603050405020304" pitchFamily="18" charset="0"/>
+                <a:cs typeface="Times New Roman" panose="02020603050405020304" pitchFamily="18" charset="0"/>
+              </a:rPr>
+              <a:t>Exercise</a:t>
+            </a:r>
+            <a:r>
+              <a:rPr lang="da-DK" dirty="0">
+                <a:latin typeface="Times New Roman" panose="02020603050405020304" pitchFamily="18" charset="0"/>
+                <a:cs typeface="Times New Roman" panose="02020603050405020304" pitchFamily="18" charset="0"/>
+              </a:rPr>
+              <a:t> 29</a:t>
+            </a:r>
+          </a:p>
+          <a:p>
+            <a:r>
+              <a:rPr lang="da-DK" dirty="0" err="1">
+                <a:latin typeface="Times New Roman" panose="02020603050405020304" pitchFamily="18" charset="0"/>
+                <a:cs typeface="Times New Roman" panose="02020603050405020304" pitchFamily="18" charset="0"/>
+              </a:rPr>
+              <a:t>Benefits</a:t>
+            </a:r>
+            <a:r>
+              <a:rPr lang="da-DK" dirty="0">
+                <a:latin typeface="Times New Roman" panose="02020603050405020304" pitchFamily="18" charset="0"/>
+                <a:cs typeface="Times New Roman" panose="02020603050405020304" pitchFamily="18" charset="0"/>
+              </a:rPr>
+              <a:t>:</a:t>
+            </a:r>
+          </a:p>
+          <a:p>
+            <a:pPr lvl="1"/>
+            <a:r>
+              <a:rPr lang="da-DK" dirty="0" err="1">
+                <a:latin typeface="Times New Roman" panose="02020603050405020304" pitchFamily="18" charset="0"/>
+                <a:cs typeface="Times New Roman" panose="02020603050405020304" pitchFamily="18" charset="0"/>
+              </a:rPr>
+              <a:t>Closed</a:t>
+            </a:r>
+            <a:r>
+              <a:rPr lang="da-DK" dirty="0">
+                <a:latin typeface="Times New Roman" panose="02020603050405020304" pitchFamily="18" charset="0"/>
+                <a:cs typeface="Times New Roman" panose="02020603050405020304" pitchFamily="18" charset="0"/>
+              </a:rPr>
+              <a:t> form solutions</a:t>
+            </a:r>
+          </a:p>
+          <a:p>
+            <a:pPr lvl="1"/>
+            <a:r>
+              <a:rPr lang="da-DK" dirty="0" err="1">
+                <a:latin typeface="Times New Roman" panose="02020603050405020304" pitchFamily="18" charset="0"/>
+                <a:cs typeface="Times New Roman" panose="02020603050405020304" pitchFamily="18" charset="0"/>
+              </a:rPr>
+              <a:t>Less</a:t>
+            </a:r>
+            <a:r>
+              <a:rPr lang="da-DK" dirty="0">
+                <a:latin typeface="Times New Roman" panose="02020603050405020304" pitchFamily="18" charset="0"/>
+                <a:cs typeface="Times New Roman" panose="02020603050405020304" pitchFamily="18" charset="0"/>
+              </a:rPr>
+              <a:t> </a:t>
+            </a:r>
+            <a:r>
+              <a:rPr lang="da-DK" dirty="0" err="1">
+                <a:latin typeface="Times New Roman" panose="02020603050405020304" pitchFamily="18" charset="0"/>
+                <a:cs typeface="Times New Roman" panose="02020603050405020304" pitchFamily="18" charset="0"/>
+              </a:rPr>
+              <a:t>prone</a:t>
+            </a:r>
+            <a:r>
+              <a:rPr lang="da-DK" dirty="0">
+                <a:latin typeface="Times New Roman" panose="02020603050405020304" pitchFamily="18" charset="0"/>
+                <a:cs typeface="Times New Roman" panose="02020603050405020304" pitchFamily="18" charset="0"/>
+              </a:rPr>
+              <a:t> to overfitting</a:t>
+            </a:r>
+          </a:p>
+          <a:p>
+            <a:r>
+              <a:rPr lang="da-DK" dirty="0" err="1">
+                <a:latin typeface="Times New Roman" panose="02020603050405020304" pitchFamily="18" charset="0"/>
+                <a:cs typeface="Times New Roman" panose="02020603050405020304" pitchFamily="18" charset="0"/>
+              </a:rPr>
+              <a:t>Disadvantages</a:t>
+            </a:r>
+            <a:r>
+              <a:rPr lang="da-DK" dirty="0">
+                <a:latin typeface="Times New Roman" panose="02020603050405020304" pitchFamily="18" charset="0"/>
+                <a:cs typeface="Times New Roman" panose="02020603050405020304" pitchFamily="18" charset="0"/>
+              </a:rPr>
+              <a:t>:</a:t>
+            </a:r>
+          </a:p>
+          <a:p>
+            <a:pPr lvl="1"/>
+            <a:r>
+              <a:rPr lang="da-DK" dirty="0" err="1">
+                <a:latin typeface="Times New Roman" panose="02020603050405020304" pitchFamily="18" charset="0"/>
+                <a:cs typeface="Times New Roman" panose="02020603050405020304" pitchFamily="18" charset="0"/>
+              </a:rPr>
+              <a:t>We</a:t>
+            </a:r>
+            <a:r>
+              <a:rPr lang="da-DK" dirty="0">
+                <a:latin typeface="Times New Roman" panose="02020603050405020304" pitchFamily="18" charset="0"/>
+                <a:cs typeface="Times New Roman" panose="02020603050405020304" pitchFamily="18" charset="0"/>
+              </a:rPr>
+              <a:t> have to </a:t>
+            </a:r>
+            <a:r>
+              <a:rPr lang="da-DK" dirty="0" err="1">
+                <a:latin typeface="Times New Roman" panose="02020603050405020304" pitchFamily="18" charset="0"/>
+                <a:cs typeface="Times New Roman" panose="02020603050405020304" pitchFamily="18" charset="0"/>
+              </a:rPr>
+              <a:t>assign</a:t>
+            </a:r>
+            <a:r>
+              <a:rPr lang="da-DK" dirty="0">
+                <a:latin typeface="Times New Roman" panose="02020603050405020304" pitchFamily="18" charset="0"/>
+                <a:cs typeface="Times New Roman" panose="02020603050405020304" pitchFamily="18" charset="0"/>
+              </a:rPr>
+              <a:t> form of fit</a:t>
+            </a:r>
+          </a:p>
+          <a:p>
+            <a:pPr marL="457200" lvl="1" indent="0">
+              <a:buFont typeface="Arial" panose="020B0604020202020204" pitchFamily="34" charset="0"/>
+              <a:buNone/>
+            </a:pPr>
+            <a:endParaRPr lang="da-DK" dirty="0"/>
+          </a:p>
+        </p:txBody>
+      </p:sp>
+    </p:spTree>
+    <p:extLst>
+      <p:ext uri="{BB962C8B-B14F-4D97-AF65-F5344CB8AC3E}">
+        <p14:creationId xmlns:p14="http://schemas.microsoft.com/office/powerpoint/2010/main" val="2828860803"/>
+      </p:ext>
+    </p:extLst>
+  </p:cSld>
+  <p:clrMapOvr>
+    <a:masterClrMapping/>
+  </p:clrMapOvr>
+</p:sld>
+</file>
+
+<file path=ppt/slides/slide9.xml><?xml version="1.0" encoding="utf-8"?>
+<p:sld xmlns:a="http://schemas.openxmlformats.org/drawingml/2006/main" xmlns:r="http://schemas.openxmlformats.org/officeDocument/2006/relationships" xmlns:p="http://schemas.openxmlformats.org/presentationml/2006/main">
+  <p:cSld>
+    <p:spTree>
+      <p:nvGrpSpPr>
+        <p:cNvPr id="1" name=""/>
+        <p:cNvGrpSpPr/>
+        <p:nvPr/>
+      </p:nvGrpSpPr>
+      <p:grpSpPr>
+        <a:xfrm>
+          <a:off x="0" y="0"/>
+          <a:ext cx="0" cy="0"/>
+          <a:chOff x="0" y="0"/>
+          <a:chExt cx="0" cy="0"/>
+        </a:xfrm>
+      </p:grpSpPr>
+      <p:sp>
+        <p:nvSpPr>
+          <p:cNvPr id="2" name="Titel 1">
+            <a:extLst>
+              <a:ext uri="{FF2B5EF4-FFF2-40B4-BE49-F238E27FC236}">
+                <a16:creationId xmlns:a16="http://schemas.microsoft.com/office/drawing/2014/main" id="{0168F847-A493-669F-E5E6-B1B904092202}"/>
+              </a:ext>
+            </a:extLst>
+          </p:cNvPr>
+          <p:cNvSpPr>
+            <a:spLocks noGrp="1"/>
+          </p:cNvSpPr>
+          <p:nvPr>
+            <p:ph type="title"/>
+          </p:nvPr>
+        </p:nvSpPr>
+        <p:spPr/>
+        <p:txBody>
+          <a:bodyPr/>
+          <a:lstStyle/>
+          <a:p>
+            <a:r>
+              <a:rPr lang="da-DK" dirty="0" err="1">
+                <a:latin typeface="Times New Roman" panose="02020603050405020304" pitchFamily="18" charset="0"/>
+                <a:cs typeface="Times New Roman" panose="02020603050405020304" pitchFamily="18" charset="0"/>
+              </a:rPr>
+              <a:t>Parametric</a:t>
+            </a:r>
+            <a:r>
+              <a:rPr lang="da-DK" dirty="0">
+                <a:latin typeface="Times New Roman" panose="02020603050405020304" pitchFamily="18" charset="0"/>
+                <a:cs typeface="Times New Roman" panose="02020603050405020304" pitchFamily="18" charset="0"/>
+              </a:rPr>
+              <a:t> Regression – </a:t>
+            </a:r>
+            <a:r>
+              <a:rPr lang="da-DK" dirty="0" err="1">
+                <a:latin typeface="Times New Roman" panose="02020603050405020304" pitchFamily="18" charset="0"/>
+                <a:cs typeface="Times New Roman" panose="02020603050405020304" pitchFamily="18" charset="0"/>
+              </a:rPr>
+              <a:t>Kernel</a:t>
+            </a:r>
+            <a:r>
+              <a:rPr lang="da-DK" dirty="0">
+                <a:latin typeface="Times New Roman" panose="02020603050405020304" pitchFamily="18" charset="0"/>
+                <a:cs typeface="Times New Roman" panose="02020603050405020304" pitchFamily="18" charset="0"/>
+              </a:rPr>
+              <a:t> </a:t>
+            </a:r>
+            <a:r>
+              <a:rPr lang="da-DK" dirty="0" err="1">
+                <a:latin typeface="Times New Roman" panose="02020603050405020304" pitchFamily="18" charset="0"/>
+                <a:cs typeface="Times New Roman" panose="02020603050405020304" pitchFamily="18" charset="0"/>
+              </a:rPr>
+              <a:t>Ridge</a:t>
+            </a:r>
+            <a:r>
+              <a:rPr lang="da-DK" dirty="0">
+                <a:latin typeface="Times New Roman" panose="02020603050405020304" pitchFamily="18" charset="0"/>
+                <a:cs typeface="Times New Roman" panose="02020603050405020304" pitchFamily="18" charset="0"/>
+              </a:rPr>
+              <a:t> Regression</a:t>
+            </a:r>
+          </a:p>
+        </p:txBody>
+      </p:sp>
+      <p:sp>
+        <p:nvSpPr>
+          <p:cNvPr id="3" name="Pladsholder til indhold 2">
+            <a:extLst>
+              <a:ext uri="{FF2B5EF4-FFF2-40B4-BE49-F238E27FC236}">
+                <a16:creationId xmlns:a16="http://schemas.microsoft.com/office/drawing/2014/main" id="{58C8920D-7BDF-A4E0-BFE7-8A173BE3780A}"/>
+              </a:ext>
+            </a:extLst>
+          </p:cNvPr>
+          <p:cNvSpPr>
+            <a:spLocks noGrp="1"/>
+          </p:cNvSpPr>
+          <p:nvPr>
+            <p:ph idx="1"/>
+          </p:nvPr>
+        </p:nvSpPr>
+        <p:spPr/>
+        <p:txBody>
+          <a:bodyPr/>
+          <a:lstStyle/>
+          <a:p>
+            <a:r>
+              <a:rPr lang="da-DK" dirty="0">
+                <a:latin typeface="Times New Roman" panose="02020603050405020304" pitchFamily="18" charset="0"/>
+                <a:cs typeface="Times New Roman" panose="02020603050405020304" pitchFamily="18" charset="0"/>
+              </a:rPr>
+              <a:t>Derivation &amp; </a:t>
+            </a:r>
+            <a:r>
+              <a:rPr lang="da-DK" dirty="0" err="1">
+                <a:latin typeface="Times New Roman" panose="02020603050405020304" pitchFamily="18" charset="0"/>
+                <a:cs typeface="Times New Roman" panose="02020603050405020304" pitchFamily="18" charset="0"/>
+              </a:rPr>
+              <a:t>idea</a:t>
+            </a:r>
+            <a:endParaRPr lang="da-DK" dirty="0">
+              <a:latin typeface="Times New Roman" panose="02020603050405020304" pitchFamily="18" charset="0"/>
+              <a:cs typeface="Times New Roman" panose="02020603050405020304" pitchFamily="18" charset="0"/>
+            </a:endParaRPr>
+          </a:p>
+          <a:p>
+            <a:r>
+              <a:rPr lang="da-DK" dirty="0" err="1">
+                <a:latin typeface="Times New Roman" panose="02020603050405020304" pitchFamily="18" charset="0"/>
+                <a:cs typeface="Times New Roman" panose="02020603050405020304" pitchFamily="18" charset="0"/>
+              </a:rPr>
+              <a:t>Exercise</a:t>
+            </a:r>
+            <a:r>
+              <a:rPr lang="da-DK" dirty="0">
+                <a:latin typeface="Times New Roman" panose="02020603050405020304" pitchFamily="18" charset="0"/>
+                <a:cs typeface="Times New Roman" panose="02020603050405020304" pitchFamily="18" charset="0"/>
+              </a:rPr>
+              <a:t> 34</a:t>
+            </a:r>
+          </a:p>
+        </p:txBody>
+      </p:sp>
+    </p:spTree>
+    <p:extLst>
+      <p:ext uri="{BB962C8B-B14F-4D97-AF65-F5344CB8AC3E}">
+        <p14:creationId xmlns:p14="http://schemas.microsoft.com/office/powerpoint/2010/main" val="944240603"/>
       </p:ext>
     </p:extLst>
   </p:cSld>
